--- a/style_guide.pptx
+++ b/style_guide.pptx
@@ -6,9 +6,10 @@
   </p:sldMasterIdLst>
   <p:sldIdLst>
     <p:sldId id="256" r:id="rId2"/>
-    <p:sldId id="257" r:id="rId3"/>
-    <p:sldId id="259" r:id="rId4"/>
-    <p:sldId id="258" r:id="rId5"/>
+    <p:sldId id="260" r:id="rId3"/>
+    <p:sldId id="257" r:id="rId4"/>
+    <p:sldId id="259" r:id="rId5"/>
+    <p:sldId id="258" r:id="rId6"/>
   </p:sldIdLst>
   <p:sldSz cx="12192000" cy="6858000"/>
   <p:notesSz cx="6858000" cy="9144000"/>
@@ -107,6 +108,11 @@
       </a:defRPr>
     </a:lvl9pPr>
   </p:defaultTextStyle>
+  <p:extLst>
+    <p:ext uri="{EFAFB233-063F-42B5-8137-9DF3F51BA10A}">
+      <p15:sldGuideLst xmlns:p15="http://schemas.microsoft.com/office/powerpoint/2012/main"/>
+    </p:ext>
+  </p:extLst>
 </p:presentation>
 </file>
 
@@ -257,7 +263,7 @@
           <a:p>
             <a:fld id="{51A2ECB8-83C4-44F1-A4A0-82ECB398125D}" type="datetimeFigureOut">
               <a:rPr lang="de-DE" smtClean="0"/>
-              <a:t>02.08.2024</a:t>
+              <a:t>03.08.2024</a:t>
             </a:fld>
             <a:endParaRPr lang="de-DE"/>
           </a:p>
@@ -455,7 +461,7 @@
           <a:p>
             <a:fld id="{51A2ECB8-83C4-44F1-A4A0-82ECB398125D}" type="datetimeFigureOut">
               <a:rPr lang="de-DE" smtClean="0"/>
-              <a:t>02.08.2024</a:t>
+              <a:t>03.08.2024</a:t>
             </a:fld>
             <a:endParaRPr lang="de-DE"/>
           </a:p>
@@ -663,7 +669,7 @@
           <a:p>
             <a:fld id="{51A2ECB8-83C4-44F1-A4A0-82ECB398125D}" type="datetimeFigureOut">
               <a:rPr lang="de-DE" smtClean="0"/>
-              <a:t>02.08.2024</a:t>
+              <a:t>03.08.2024</a:t>
             </a:fld>
             <a:endParaRPr lang="de-DE"/>
           </a:p>
@@ -861,7 +867,7 @@
           <a:p>
             <a:fld id="{51A2ECB8-83C4-44F1-A4A0-82ECB398125D}" type="datetimeFigureOut">
               <a:rPr lang="de-DE" smtClean="0"/>
-              <a:t>02.08.2024</a:t>
+              <a:t>03.08.2024</a:t>
             </a:fld>
             <a:endParaRPr lang="de-DE"/>
           </a:p>
@@ -1136,7 +1142,7 @@
           <a:p>
             <a:fld id="{51A2ECB8-83C4-44F1-A4A0-82ECB398125D}" type="datetimeFigureOut">
               <a:rPr lang="de-DE" smtClean="0"/>
-              <a:t>02.08.2024</a:t>
+              <a:t>03.08.2024</a:t>
             </a:fld>
             <a:endParaRPr lang="de-DE"/>
           </a:p>
@@ -1401,7 +1407,7 @@
           <a:p>
             <a:fld id="{51A2ECB8-83C4-44F1-A4A0-82ECB398125D}" type="datetimeFigureOut">
               <a:rPr lang="de-DE" smtClean="0"/>
-              <a:t>02.08.2024</a:t>
+              <a:t>03.08.2024</a:t>
             </a:fld>
             <a:endParaRPr lang="de-DE"/>
           </a:p>
@@ -1813,7 +1819,7 @@
           <a:p>
             <a:fld id="{51A2ECB8-83C4-44F1-A4A0-82ECB398125D}" type="datetimeFigureOut">
               <a:rPr lang="de-DE" smtClean="0"/>
-              <a:t>02.08.2024</a:t>
+              <a:t>03.08.2024</a:t>
             </a:fld>
             <a:endParaRPr lang="de-DE"/>
           </a:p>
@@ -1954,7 +1960,7 @@
           <a:p>
             <a:fld id="{51A2ECB8-83C4-44F1-A4A0-82ECB398125D}" type="datetimeFigureOut">
               <a:rPr lang="de-DE" smtClean="0"/>
-              <a:t>02.08.2024</a:t>
+              <a:t>03.08.2024</a:t>
             </a:fld>
             <a:endParaRPr lang="de-DE"/>
           </a:p>
@@ -2067,7 +2073,7 @@
           <a:p>
             <a:fld id="{51A2ECB8-83C4-44F1-A4A0-82ECB398125D}" type="datetimeFigureOut">
               <a:rPr lang="de-DE" smtClean="0"/>
-              <a:t>02.08.2024</a:t>
+              <a:t>03.08.2024</a:t>
             </a:fld>
             <a:endParaRPr lang="de-DE"/>
           </a:p>
@@ -2378,7 +2384,7 @@
           <a:p>
             <a:fld id="{51A2ECB8-83C4-44F1-A4A0-82ECB398125D}" type="datetimeFigureOut">
               <a:rPr lang="de-DE" smtClean="0"/>
-              <a:t>02.08.2024</a:t>
+              <a:t>03.08.2024</a:t>
             </a:fld>
             <a:endParaRPr lang="de-DE"/>
           </a:p>
@@ -2666,7 +2672,7 @@
           <a:p>
             <a:fld id="{51A2ECB8-83C4-44F1-A4A0-82ECB398125D}" type="datetimeFigureOut">
               <a:rPr lang="de-DE" smtClean="0"/>
-              <a:t>02.08.2024</a:t>
+              <a:t>03.08.2024</a:t>
             </a:fld>
             <a:endParaRPr lang="de-DE"/>
           </a:p>
@@ -2907,7 +2913,7 @@
           <a:p>
             <a:fld id="{51A2ECB8-83C4-44F1-A4A0-82ECB398125D}" type="datetimeFigureOut">
               <a:rPr lang="de-DE" smtClean="0"/>
-              <a:t>02.08.2024</a:t>
+              <a:t>03.08.2024</a:t>
             </a:fld>
             <a:endParaRPr lang="de-DE"/>
           </a:p>
@@ -3490,13 +3496,12 @@
               </a:ext>
             </a:extLst>
           </a:blip>
-          <a:stretch>
-            <a:fillRect/>
-          </a:stretch>
+          <a:srcRect/>
+          <a:stretch/>
         </p:blipFill>
         <p:spPr>
           <a:xfrm>
-            <a:off x="2819400" y="1413164"/>
+            <a:off x="0" y="0"/>
             <a:ext cx="3810000" cy="3810000"/>
           </a:xfrm>
           <a:prstGeom prst="rect">
@@ -3506,10 +3511,10 @@
       </p:pic>
       <p:pic>
         <p:nvPicPr>
-          <p:cNvPr id="7" name="Grafik 6" descr="Ein Bild, das Text, Schrift, Screenshot, Logo enthält.&#10;&#10;Automatisch generierte Beschreibung">
-            <a:extLst>
-              <a:ext uri="{FF2B5EF4-FFF2-40B4-BE49-F238E27FC236}">
-                <a16:creationId xmlns:a16="http://schemas.microsoft.com/office/drawing/2014/main" id="{D34664A2-86CE-5C2C-EA61-7F19D487B9F8}"/>
+          <p:cNvPr id="3" name="Grafik 2">
+            <a:extLst>
+              <a:ext uri="{FF2B5EF4-FFF2-40B4-BE49-F238E27FC236}">
+                <a16:creationId xmlns:a16="http://schemas.microsoft.com/office/drawing/2014/main" id="{847429C9-CBD9-976F-FE53-8E74E4FD0852}"/>
               </a:ext>
             </a:extLst>
           </p:cNvPr>
@@ -3521,8 +3526,8 @@
         <p:blipFill>
           <a:blip r:embed="rId4">
             <a:extLst>
-              <a:ext uri="{28A0092B-C50C-407E-A947-70E740481C1C}">
-                <a14:useLocalDpi xmlns:a14="http://schemas.microsoft.com/office/drawing/2010/main" val="0"/>
+              <a:ext uri="{96DAC541-7B7A-43D3-8B79-37D633B846F1}">
+                <asvg:svgBlip xmlns:asvg="http://schemas.microsoft.com/office/drawing/2016/SVG/main" r:embed="rId5"/>
               </a:ext>
             </a:extLst>
           </a:blip>
@@ -3532,27 +3537,20 @@
         </p:blipFill>
         <p:spPr>
           <a:xfrm>
-            <a:off x="3479101" y="3598024"/>
-            <a:ext cx="2495692" cy="841639"/>
+            <a:off x="5981700" y="3314700"/>
+            <a:ext cx="228600" cy="228600"/>
           </a:xfrm>
           <a:prstGeom prst="rect">
             <a:avLst/>
           </a:prstGeom>
-          <a:effectLst>
-            <a:outerShdw blurRad="63500" sx="102000" sy="102000" algn="ctr" rotWithShape="0">
-              <a:prstClr val="black">
-                <a:alpha val="40000"/>
-              </a:prstClr>
-            </a:outerShdw>
-          </a:effectLst>
         </p:spPr>
       </p:pic>
       <p:pic>
         <p:nvPicPr>
-          <p:cNvPr id="3" name="Grafik 2" descr="Ein Bild, das Text, Screenshot, Person enthält.&#10;&#10;Automatisch generierte Beschreibung">
-            <a:extLst>
-              <a:ext uri="{FF2B5EF4-FFF2-40B4-BE49-F238E27FC236}">
-                <a16:creationId xmlns:a16="http://schemas.microsoft.com/office/drawing/2014/main" id="{7F7F630F-B3AA-5227-33D7-8DB82626374E}"/>
+          <p:cNvPr id="6" name="Grafik 5">
+            <a:extLst>
+              <a:ext uri="{FF2B5EF4-FFF2-40B4-BE49-F238E27FC236}">
+                <a16:creationId xmlns:a16="http://schemas.microsoft.com/office/drawing/2014/main" id="{47CFF316-3EEB-4E1C-4FC2-B6540BADAC89}"/>
               </a:ext>
             </a:extLst>
           </p:cNvPr>
@@ -3561,21 +3559,22 @@
           </p:cNvPicPr>
           <p:nvPr/>
         </p:nvPicPr>
-        <p:blipFill rotWithShape="1">
-          <a:blip r:embed="rId5">
-            <a:extLst>
-              <a:ext uri="{28A0092B-C50C-407E-A947-70E740481C1C}">
-                <a14:useLocalDpi xmlns:a14="http://schemas.microsoft.com/office/drawing/2010/main" val="0"/>
+        <p:blipFill>
+          <a:blip r:embed="rId4">
+            <a:extLst>
+              <a:ext uri="{96DAC541-7B7A-43D3-8B79-37D633B846F1}">
+                <asvg:svgBlip xmlns:asvg="http://schemas.microsoft.com/office/drawing/2016/SVG/main" r:embed="rId5"/>
               </a:ext>
             </a:extLst>
           </a:blip>
-          <a:srcRect t="-19474" r="33004" b="23210"/>
-          <a:stretch/>
+          <a:stretch>
+            <a:fillRect/>
+          </a:stretch>
         </p:blipFill>
         <p:spPr>
           <a:xfrm>
-            <a:off x="3087918" y="1757893"/>
-            <a:ext cx="3541482" cy="3465271"/>
+            <a:off x="1559641" y="1559641"/>
+            <a:ext cx="690717" cy="690717"/>
           </a:xfrm>
           <a:prstGeom prst="rect">
             <a:avLst/>
@@ -3585,7 +3584,7 @@
     </p:spTree>
     <p:extLst>
       <p:ext uri="{BB962C8B-B14F-4D97-AF65-F5344CB8AC3E}">
-        <p14:creationId xmlns:p14="http://schemas.microsoft.com/office/powerpoint/2010/main" val="3050430480"/>
+        <p14:creationId xmlns:p14="http://schemas.microsoft.com/office/powerpoint/2010/main" val="1508621249"/>
       </p:ext>
     </p:extLst>
   </p:cSld>
@@ -3634,6 +3633,150 @@
               </a:ext>
             </a:extLst>
           </a:blip>
+          <a:stretch>
+            <a:fillRect/>
+          </a:stretch>
+        </p:blipFill>
+        <p:spPr>
+          <a:xfrm>
+            <a:off x="2819400" y="1413164"/>
+            <a:ext cx="3810000" cy="3810000"/>
+          </a:xfrm>
+          <a:prstGeom prst="rect">
+            <a:avLst/>
+          </a:prstGeom>
+        </p:spPr>
+      </p:pic>
+      <p:pic>
+        <p:nvPicPr>
+          <p:cNvPr id="7" name="Grafik 6" descr="Ein Bild, das Text, Schrift, Screenshot, Logo enthält.&#10;&#10;Automatisch generierte Beschreibung">
+            <a:extLst>
+              <a:ext uri="{FF2B5EF4-FFF2-40B4-BE49-F238E27FC236}">
+                <a16:creationId xmlns:a16="http://schemas.microsoft.com/office/drawing/2014/main" id="{D34664A2-86CE-5C2C-EA61-7F19D487B9F8}"/>
+              </a:ext>
+            </a:extLst>
+          </p:cNvPr>
+          <p:cNvPicPr>
+            <a:picLocks noChangeAspect="1"/>
+          </p:cNvPicPr>
+          <p:nvPr/>
+        </p:nvPicPr>
+        <p:blipFill>
+          <a:blip r:embed="rId4">
+            <a:extLst>
+              <a:ext uri="{28A0092B-C50C-407E-A947-70E740481C1C}">
+                <a14:useLocalDpi xmlns:a14="http://schemas.microsoft.com/office/drawing/2010/main" val="0"/>
+              </a:ext>
+            </a:extLst>
+          </a:blip>
+          <a:stretch>
+            <a:fillRect/>
+          </a:stretch>
+        </p:blipFill>
+        <p:spPr>
+          <a:xfrm>
+            <a:off x="3479101" y="3598024"/>
+            <a:ext cx="2495692" cy="841639"/>
+          </a:xfrm>
+          <a:prstGeom prst="rect">
+            <a:avLst/>
+          </a:prstGeom>
+          <a:effectLst>
+            <a:outerShdw blurRad="63500" sx="102000" sy="102000" algn="ctr" rotWithShape="0">
+              <a:prstClr val="black">
+                <a:alpha val="40000"/>
+              </a:prstClr>
+            </a:outerShdw>
+          </a:effectLst>
+        </p:spPr>
+      </p:pic>
+      <p:pic>
+        <p:nvPicPr>
+          <p:cNvPr id="3" name="Grafik 2" descr="Ein Bild, das Text, Screenshot, Person enthält.&#10;&#10;Automatisch generierte Beschreibung">
+            <a:extLst>
+              <a:ext uri="{FF2B5EF4-FFF2-40B4-BE49-F238E27FC236}">
+                <a16:creationId xmlns:a16="http://schemas.microsoft.com/office/drawing/2014/main" id="{7F7F630F-B3AA-5227-33D7-8DB82626374E}"/>
+              </a:ext>
+            </a:extLst>
+          </p:cNvPr>
+          <p:cNvPicPr>
+            <a:picLocks noChangeAspect="1"/>
+          </p:cNvPicPr>
+          <p:nvPr/>
+        </p:nvPicPr>
+        <p:blipFill rotWithShape="1">
+          <a:blip r:embed="rId5">
+            <a:extLst>
+              <a:ext uri="{28A0092B-C50C-407E-A947-70E740481C1C}">
+                <a14:useLocalDpi xmlns:a14="http://schemas.microsoft.com/office/drawing/2010/main" val="0"/>
+              </a:ext>
+            </a:extLst>
+          </a:blip>
+          <a:srcRect t="-19474" r="33004" b="23210"/>
+          <a:stretch/>
+        </p:blipFill>
+        <p:spPr>
+          <a:xfrm>
+            <a:off x="3087918" y="1757893"/>
+            <a:ext cx="3541482" cy="3465271"/>
+          </a:xfrm>
+          <a:prstGeom prst="rect">
+            <a:avLst/>
+          </a:prstGeom>
+        </p:spPr>
+      </p:pic>
+    </p:spTree>
+    <p:extLst>
+      <p:ext uri="{BB962C8B-B14F-4D97-AF65-F5344CB8AC3E}">
+        <p14:creationId xmlns:p14="http://schemas.microsoft.com/office/powerpoint/2010/main" val="3050430480"/>
+      </p:ext>
+    </p:extLst>
+  </p:cSld>
+  <p:clrMapOvr>
+    <a:masterClrMapping/>
+  </p:clrMapOvr>
+</p:sld>
+</file>
+
+<file path=ppt/slides/slide4.xml><?xml version="1.0" encoding="utf-8"?>
+<p:sld xmlns:a="http://schemas.openxmlformats.org/drawingml/2006/main" xmlns:r="http://schemas.openxmlformats.org/officeDocument/2006/relationships" xmlns:p="http://schemas.openxmlformats.org/presentationml/2006/main">
+  <p:cSld>
+    <p:spTree>
+      <p:nvGrpSpPr>
+        <p:cNvPr id="1" name=""/>
+        <p:cNvGrpSpPr/>
+        <p:nvPr/>
+      </p:nvGrpSpPr>
+      <p:grpSpPr>
+        <a:xfrm>
+          <a:off x="0" y="0"/>
+          <a:ext cx="0" cy="0"/>
+          <a:chOff x="0" y="0"/>
+          <a:chExt cx="0" cy="0"/>
+        </a:xfrm>
+      </p:grpSpPr>
+      <p:pic>
+        <p:nvPicPr>
+          <p:cNvPr id="5" name="Grafik 4">
+            <a:extLst>
+              <a:ext uri="{FF2B5EF4-FFF2-40B4-BE49-F238E27FC236}">
+                <a16:creationId xmlns:a16="http://schemas.microsoft.com/office/drawing/2014/main" id="{A8F13007-E84E-4430-6FFF-C6E15D9AB7ED}"/>
+              </a:ext>
+            </a:extLst>
+          </p:cNvPr>
+          <p:cNvPicPr>
+            <a:picLocks noChangeAspect="1"/>
+          </p:cNvPicPr>
+          <p:nvPr/>
+        </p:nvPicPr>
+        <p:blipFill>
+          <a:blip r:embed="rId2">
+            <a:extLst>
+              <a:ext uri="{96DAC541-7B7A-43D3-8B79-37D633B846F1}">
+                <asvg:svgBlip xmlns:asvg="http://schemas.microsoft.com/office/drawing/2016/SVG/main" r:embed="rId3"/>
+              </a:ext>
+            </a:extLst>
+          </a:blip>
           <a:srcRect/>
           <a:stretch/>
         </p:blipFill>
@@ -3738,7 +3881,7 @@
 </p:sld>
 </file>
 
-<file path=ppt/slides/slide4.xml><?xml version="1.0" encoding="utf-8"?>
+<file path=ppt/slides/slide5.xml><?xml version="1.0" encoding="utf-8"?>
 <p:sld xmlns:a="http://schemas.openxmlformats.org/drawingml/2006/main" xmlns:r="http://schemas.openxmlformats.org/officeDocument/2006/relationships" xmlns:p="http://schemas.openxmlformats.org/presentationml/2006/main">
   <p:cSld>
     <p:spTree>

--- a/style_guide.pptx
+++ b/style_guide.pptx
@@ -7,9 +7,9 @@
   <p:sldIdLst>
     <p:sldId id="256" r:id="rId2"/>
     <p:sldId id="260" r:id="rId3"/>
-    <p:sldId id="257" r:id="rId4"/>
+    <p:sldId id="262" r:id="rId4"/>
     <p:sldId id="259" r:id="rId5"/>
-    <p:sldId id="258" r:id="rId6"/>
+    <p:sldId id="261" r:id="rId6"/>
   </p:sldIdLst>
   <p:sldSz cx="12192000" cy="6858000"/>
   <p:notesSz cx="6858000" cy="9144000"/>
@@ -3357,7 +3357,7 @@
         </p:blipFill>
         <p:spPr>
           <a:xfrm>
-            <a:off x="2819400" y="1413164"/>
+            <a:off x="0" y="0"/>
             <a:ext cx="3810000" cy="3810000"/>
           </a:xfrm>
           <a:prstGeom prst="rect">
@@ -3393,7 +3393,7 @@
         </p:blipFill>
         <p:spPr>
           <a:xfrm>
-            <a:off x="3479102" y="2896984"/>
+            <a:off x="659702" y="1483820"/>
             <a:ext cx="2495692" cy="841639"/>
           </a:xfrm>
           <a:prstGeom prst="rect">
@@ -3406,42 +3406,6 @@
               </a:prstClr>
             </a:outerShdw>
           </a:effectLst>
-        </p:spPr>
-      </p:pic>
-      <p:pic>
-        <p:nvPicPr>
-          <p:cNvPr id="13" name="Grafik 12">
-            <a:extLst>
-              <a:ext uri="{FF2B5EF4-FFF2-40B4-BE49-F238E27FC236}">
-                <a16:creationId xmlns:a16="http://schemas.microsoft.com/office/drawing/2014/main" id="{F85D716C-C4B0-ECA9-0856-6106F4A609D8}"/>
-              </a:ext>
-            </a:extLst>
-          </p:cNvPr>
-          <p:cNvPicPr>
-            <a:picLocks noChangeAspect="1"/>
-          </p:cNvPicPr>
-          <p:nvPr/>
-        </p:nvPicPr>
-        <p:blipFill>
-          <a:blip r:embed="rId2">
-            <a:extLst>
-              <a:ext uri="{96DAC541-7B7A-43D3-8B79-37D633B846F1}">
-                <asvg:svgBlip xmlns:asvg="http://schemas.microsoft.com/office/drawing/2016/SVG/main" r:embed="rId3"/>
-              </a:ext>
-            </a:extLst>
-          </a:blip>
-          <a:stretch>
-            <a:fillRect/>
-          </a:stretch>
-        </p:blipFill>
-        <p:spPr>
-          <a:xfrm>
-            <a:off x="8716568" y="1351843"/>
-            <a:ext cx="3810000" cy="3810000"/>
-          </a:xfrm>
-          <a:prstGeom prst="rect">
-            <a:avLst/>
-          </a:prstGeom>
         </p:spPr>
       </p:pic>
     </p:spTree>
@@ -3633,13 +3597,12 @@
               </a:ext>
             </a:extLst>
           </a:blip>
-          <a:stretch>
-            <a:fillRect/>
-          </a:stretch>
+          <a:srcRect/>
+          <a:stretch/>
         </p:blipFill>
         <p:spPr>
           <a:xfrm>
-            <a:off x="2819400" y="1413164"/>
+            <a:off x="0" y="0"/>
             <a:ext cx="3810000" cy="3810000"/>
           </a:xfrm>
           <a:prstGeom prst="rect">
@@ -3649,10 +3612,10 @@
       </p:pic>
       <p:pic>
         <p:nvPicPr>
-          <p:cNvPr id="7" name="Grafik 6" descr="Ein Bild, das Text, Schrift, Screenshot, Logo enthält.&#10;&#10;Automatisch generierte Beschreibung">
-            <a:extLst>
-              <a:ext uri="{FF2B5EF4-FFF2-40B4-BE49-F238E27FC236}">
-                <a16:creationId xmlns:a16="http://schemas.microsoft.com/office/drawing/2014/main" id="{D34664A2-86CE-5C2C-EA61-7F19D487B9F8}"/>
+          <p:cNvPr id="3" name="Grafik 2">
+            <a:extLst>
+              <a:ext uri="{FF2B5EF4-FFF2-40B4-BE49-F238E27FC236}">
+                <a16:creationId xmlns:a16="http://schemas.microsoft.com/office/drawing/2014/main" id="{847429C9-CBD9-976F-FE53-8E74E4FD0852}"/>
               </a:ext>
             </a:extLst>
           </p:cNvPr>
@@ -3664,8 +3627,8 @@
         <p:blipFill>
           <a:blip r:embed="rId4">
             <a:extLst>
-              <a:ext uri="{28A0092B-C50C-407E-A947-70E740481C1C}">
-                <a14:useLocalDpi xmlns:a14="http://schemas.microsoft.com/office/drawing/2010/main" val="0"/>
+              <a:ext uri="{96DAC541-7B7A-43D3-8B79-37D633B846F1}">
+                <asvg:svgBlip xmlns:asvg="http://schemas.microsoft.com/office/drawing/2016/SVG/main" r:embed="rId5"/>
               </a:ext>
             </a:extLst>
           </a:blip>
@@ -3675,27 +3638,20 @@
         </p:blipFill>
         <p:spPr>
           <a:xfrm>
-            <a:off x="3479101" y="3598024"/>
-            <a:ext cx="2495692" cy="841639"/>
+            <a:off x="5981700" y="3314700"/>
+            <a:ext cx="228600" cy="228600"/>
           </a:xfrm>
           <a:prstGeom prst="rect">
             <a:avLst/>
           </a:prstGeom>
-          <a:effectLst>
-            <a:outerShdw blurRad="63500" sx="102000" sy="102000" algn="ctr" rotWithShape="0">
-              <a:prstClr val="black">
-                <a:alpha val="40000"/>
-              </a:prstClr>
-            </a:outerShdw>
-          </a:effectLst>
         </p:spPr>
       </p:pic>
       <p:pic>
         <p:nvPicPr>
-          <p:cNvPr id="3" name="Grafik 2" descr="Ein Bild, das Text, Screenshot, Person enthält.&#10;&#10;Automatisch generierte Beschreibung">
-            <a:extLst>
-              <a:ext uri="{FF2B5EF4-FFF2-40B4-BE49-F238E27FC236}">
-                <a16:creationId xmlns:a16="http://schemas.microsoft.com/office/drawing/2014/main" id="{7F7F630F-B3AA-5227-33D7-8DB82626374E}"/>
+          <p:cNvPr id="6" name="Grafik 5">
+            <a:extLst>
+              <a:ext uri="{FF2B5EF4-FFF2-40B4-BE49-F238E27FC236}">
+                <a16:creationId xmlns:a16="http://schemas.microsoft.com/office/drawing/2014/main" id="{47CFF316-3EEB-4E1C-4FC2-B6540BADAC89}"/>
               </a:ext>
             </a:extLst>
           </p:cNvPr>
@@ -3704,21 +3660,57 @@
           </p:cNvPicPr>
           <p:nvPr/>
         </p:nvPicPr>
-        <p:blipFill rotWithShape="1">
-          <a:blip r:embed="rId5">
-            <a:extLst>
-              <a:ext uri="{28A0092B-C50C-407E-A947-70E740481C1C}">
-                <a14:useLocalDpi xmlns:a14="http://schemas.microsoft.com/office/drawing/2010/main" val="0"/>
+        <p:blipFill>
+          <a:blip r:embed="rId6">
+            <a:extLst>
+              <a:ext uri="{96DAC541-7B7A-43D3-8B79-37D633B846F1}">
+                <asvg:svgBlip xmlns:asvg="http://schemas.microsoft.com/office/drawing/2016/SVG/main" r:embed="rId7"/>
               </a:ext>
             </a:extLst>
           </a:blip>
-          <a:srcRect t="-19474" r="33004" b="23210"/>
+          <a:srcRect/>
           <a:stretch/>
         </p:blipFill>
         <p:spPr>
           <a:xfrm>
-            <a:off x="3087918" y="1757893"/>
-            <a:ext cx="3541482" cy="3465271"/>
+            <a:off x="1559641" y="1559641"/>
+            <a:ext cx="690717" cy="690717"/>
+          </a:xfrm>
+          <a:prstGeom prst="rect">
+            <a:avLst/>
+          </a:prstGeom>
+        </p:spPr>
+      </p:pic>
+      <p:pic>
+        <p:nvPicPr>
+          <p:cNvPr id="10" name="Grafik 9">
+            <a:extLst>
+              <a:ext uri="{FF2B5EF4-FFF2-40B4-BE49-F238E27FC236}">
+                <a16:creationId xmlns:a16="http://schemas.microsoft.com/office/drawing/2014/main" id="{F660D2B1-595A-64A1-DB08-6489BA50EFE4}"/>
+              </a:ext>
+            </a:extLst>
+          </p:cNvPr>
+          <p:cNvPicPr>
+            <a:picLocks noChangeAspect="1"/>
+          </p:cNvPicPr>
+          <p:nvPr/>
+        </p:nvPicPr>
+        <p:blipFill>
+          <a:blip r:embed="rId6">
+            <a:extLst>
+              <a:ext uri="{96DAC541-7B7A-43D3-8B79-37D633B846F1}">
+                <asvg:svgBlip xmlns:asvg="http://schemas.microsoft.com/office/drawing/2016/SVG/main" r:embed="rId7"/>
+              </a:ext>
+            </a:extLst>
+          </a:blip>
+          <a:stretch>
+            <a:fillRect/>
+          </a:stretch>
+        </p:blipFill>
+        <p:spPr>
+          <a:xfrm>
+            <a:off x="5981700" y="3314700"/>
+            <a:ext cx="228600" cy="228600"/>
           </a:xfrm>
           <a:prstGeom prst="rect">
             <a:avLst/>
@@ -3728,7 +3720,7 @@
     </p:spTree>
     <p:extLst>
       <p:ext uri="{BB962C8B-B14F-4D97-AF65-F5344CB8AC3E}">
-        <p14:creationId xmlns:p14="http://schemas.microsoft.com/office/powerpoint/2010/main" val="3050430480"/>
+        <p14:creationId xmlns:p14="http://schemas.microsoft.com/office/powerpoint/2010/main" val="2053301316"/>
       </p:ext>
     </p:extLst>
   </p:cSld>
@@ -3782,7 +3774,7 @@
         </p:blipFill>
         <p:spPr>
           <a:xfrm>
-            <a:off x="2819400" y="1413164"/>
+            <a:off x="0" y="0"/>
             <a:ext cx="3810000" cy="3810000"/>
           </a:xfrm>
           <a:prstGeom prst="rect">
@@ -3818,7 +3810,7 @@
         </p:blipFill>
         <p:spPr>
           <a:xfrm>
-            <a:off x="3479101" y="3598024"/>
+            <a:off x="659701" y="2184860"/>
             <a:ext cx="2495692" cy="841639"/>
           </a:xfrm>
           <a:prstGeom prst="rect">
@@ -3860,7 +3852,7 @@
         </p:blipFill>
         <p:spPr>
           <a:xfrm>
-            <a:off x="3087918" y="1757893"/>
+            <a:off x="268518" y="344729"/>
             <a:ext cx="3541482" cy="3465271"/>
           </a:xfrm>
           <a:prstGeom prst="rect">
@@ -3900,10 +3892,10 @@
       </p:grpSpPr>
       <p:pic>
         <p:nvPicPr>
-          <p:cNvPr id="4" name="Grafik 3">
-            <a:extLst>
-              <a:ext uri="{FF2B5EF4-FFF2-40B4-BE49-F238E27FC236}">
-                <a16:creationId xmlns:a16="http://schemas.microsoft.com/office/drawing/2014/main" id="{192FF2AD-F21D-2BA2-9632-9D912819578C}"/>
+          <p:cNvPr id="2" name="Grafik 1">
+            <a:extLst>
+              <a:ext uri="{FF2B5EF4-FFF2-40B4-BE49-F238E27FC236}">
+                <a16:creationId xmlns:a16="http://schemas.microsoft.com/office/drawing/2014/main" id="{62ED1DAB-D047-A34F-BBBB-A3B81E2CA28B}"/>
               </a:ext>
             </a:extLst>
           </p:cNvPr>
@@ -3913,15 +3905,20 @@
           <p:nvPr/>
         </p:nvPicPr>
         <p:blipFill>
-          <a:blip r:embed="rId2"/>
-          <a:stretch>
-            <a:fillRect/>
-          </a:stretch>
+          <a:blip r:embed="rId2">
+            <a:extLst>
+              <a:ext uri="{96DAC541-7B7A-43D3-8B79-37D633B846F1}">
+                <asvg:svgBlip xmlns:asvg="http://schemas.microsoft.com/office/drawing/2016/SVG/main" r:embed="rId3"/>
+              </a:ext>
+            </a:extLst>
+          </a:blip>
+          <a:srcRect/>
+          <a:stretch/>
         </p:blipFill>
         <p:spPr>
           <a:xfrm>
-            <a:off x="4053679" y="1554317"/>
-            <a:ext cx="3718882" cy="3749365"/>
+            <a:off x="0" y="0"/>
+            <a:ext cx="3810000" cy="3810000"/>
           </a:xfrm>
           <a:prstGeom prst="rect">
             <a:avLst/>
@@ -3931,7 +3928,7 @@
     </p:spTree>
     <p:extLst>
       <p:ext uri="{BB962C8B-B14F-4D97-AF65-F5344CB8AC3E}">
-        <p14:creationId xmlns:p14="http://schemas.microsoft.com/office/powerpoint/2010/main" val="1030905585"/>
+        <p14:creationId xmlns:p14="http://schemas.microsoft.com/office/powerpoint/2010/main" val="2919490694"/>
       </p:ext>
     </p:extLst>
   </p:cSld>

--- a/style_guide.pptx
+++ b/style_guide.pptx
@@ -6,10 +6,15 @@
   </p:sldMasterIdLst>
   <p:sldIdLst>
     <p:sldId id="256" r:id="rId2"/>
-    <p:sldId id="260" r:id="rId3"/>
-    <p:sldId id="262" r:id="rId4"/>
-    <p:sldId id="259" r:id="rId5"/>
-    <p:sldId id="261" r:id="rId6"/>
+    <p:sldId id="263" r:id="rId3"/>
+    <p:sldId id="265" r:id="rId4"/>
+    <p:sldId id="266" r:id="rId5"/>
+    <p:sldId id="267" r:id="rId6"/>
+    <p:sldId id="264" r:id="rId7"/>
+    <p:sldId id="260" r:id="rId8"/>
+    <p:sldId id="262" r:id="rId9"/>
+    <p:sldId id="259" r:id="rId10"/>
+    <p:sldId id="261" r:id="rId11"/>
   </p:sldIdLst>
   <p:sldSz cx="12192000" cy="6858000"/>
   <p:notesSz cx="6858000" cy="9144000"/>
@@ -263,7 +268,7 @@
           <a:p>
             <a:fld id="{51A2ECB8-83C4-44F1-A4A0-82ECB398125D}" type="datetimeFigureOut">
               <a:rPr lang="de-DE" smtClean="0"/>
-              <a:t>03.08.2024</a:t>
+              <a:t>04.08.2024</a:t>
             </a:fld>
             <a:endParaRPr lang="de-DE"/>
           </a:p>
@@ -461,7 +466,7 @@
           <a:p>
             <a:fld id="{51A2ECB8-83C4-44F1-A4A0-82ECB398125D}" type="datetimeFigureOut">
               <a:rPr lang="de-DE" smtClean="0"/>
-              <a:t>03.08.2024</a:t>
+              <a:t>04.08.2024</a:t>
             </a:fld>
             <a:endParaRPr lang="de-DE"/>
           </a:p>
@@ -669,7 +674,7 @@
           <a:p>
             <a:fld id="{51A2ECB8-83C4-44F1-A4A0-82ECB398125D}" type="datetimeFigureOut">
               <a:rPr lang="de-DE" smtClean="0"/>
-              <a:t>03.08.2024</a:t>
+              <a:t>04.08.2024</a:t>
             </a:fld>
             <a:endParaRPr lang="de-DE"/>
           </a:p>
@@ -867,7 +872,7 @@
           <a:p>
             <a:fld id="{51A2ECB8-83C4-44F1-A4A0-82ECB398125D}" type="datetimeFigureOut">
               <a:rPr lang="de-DE" smtClean="0"/>
-              <a:t>03.08.2024</a:t>
+              <a:t>04.08.2024</a:t>
             </a:fld>
             <a:endParaRPr lang="de-DE"/>
           </a:p>
@@ -1142,7 +1147,7 @@
           <a:p>
             <a:fld id="{51A2ECB8-83C4-44F1-A4A0-82ECB398125D}" type="datetimeFigureOut">
               <a:rPr lang="de-DE" smtClean="0"/>
-              <a:t>03.08.2024</a:t>
+              <a:t>04.08.2024</a:t>
             </a:fld>
             <a:endParaRPr lang="de-DE"/>
           </a:p>
@@ -1407,7 +1412,7 @@
           <a:p>
             <a:fld id="{51A2ECB8-83C4-44F1-A4A0-82ECB398125D}" type="datetimeFigureOut">
               <a:rPr lang="de-DE" smtClean="0"/>
-              <a:t>03.08.2024</a:t>
+              <a:t>04.08.2024</a:t>
             </a:fld>
             <a:endParaRPr lang="de-DE"/>
           </a:p>
@@ -1819,7 +1824,7 @@
           <a:p>
             <a:fld id="{51A2ECB8-83C4-44F1-A4A0-82ECB398125D}" type="datetimeFigureOut">
               <a:rPr lang="de-DE" smtClean="0"/>
-              <a:t>03.08.2024</a:t>
+              <a:t>04.08.2024</a:t>
             </a:fld>
             <a:endParaRPr lang="de-DE"/>
           </a:p>
@@ -1960,7 +1965,7 @@
           <a:p>
             <a:fld id="{51A2ECB8-83C4-44F1-A4A0-82ECB398125D}" type="datetimeFigureOut">
               <a:rPr lang="de-DE" smtClean="0"/>
-              <a:t>03.08.2024</a:t>
+              <a:t>04.08.2024</a:t>
             </a:fld>
             <a:endParaRPr lang="de-DE"/>
           </a:p>
@@ -2073,7 +2078,7 @@
           <a:p>
             <a:fld id="{51A2ECB8-83C4-44F1-A4A0-82ECB398125D}" type="datetimeFigureOut">
               <a:rPr lang="de-DE" smtClean="0"/>
-              <a:t>03.08.2024</a:t>
+              <a:t>04.08.2024</a:t>
             </a:fld>
             <a:endParaRPr lang="de-DE"/>
           </a:p>
@@ -2384,7 +2389,7 @@
           <a:p>
             <a:fld id="{51A2ECB8-83C4-44F1-A4A0-82ECB398125D}" type="datetimeFigureOut">
               <a:rPr lang="de-DE" smtClean="0"/>
-              <a:t>03.08.2024</a:t>
+              <a:t>04.08.2024</a:t>
             </a:fld>
             <a:endParaRPr lang="de-DE"/>
           </a:p>
@@ -2672,7 +2677,7 @@
           <a:p>
             <a:fld id="{51A2ECB8-83C4-44F1-A4A0-82ECB398125D}" type="datetimeFigureOut">
               <a:rPr lang="de-DE" smtClean="0"/>
-              <a:t>03.08.2024</a:t>
+              <a:t>04.08.2024</a:t>
             </a:fld>
             <a:endParaRPr lang="de-DE"/>
           </a:p>
@@ -2913,7 +2918,7 @@
           <a:p>
             <a:fld id="{51A2ECB8-83C4-44F1-A4A0-82ECB398125D}" type="datetimeFigureOut">
               <a:rPr lang="de-DE" smtClean="0"/>
-              <a:t>03.08.2024</a:t>
+              <a:t>04.08.2024</a:t>
             </a:fld>
             <a:endParaRPr lang="de-DE"/>
           </a:p>
@@ -3421,6 +3426,71 @@
 </p:sld>
 </file>
 
+<file path=ppt/slides/slide10.xml><?xml version="1.0" encoding="utf-8"?>
+<p:sld xmlns:a="http://schemas.openxmlformats.org/drawingml/2006/main" xmlns:r="http://schemas.openxmlformats.org/officeDocument/2006/relationships" xmlns:p="http://schemas.openxmlformats.org/presentationml/2006/main">
+  <p:cSld>
+    <p:spTree>
+      <p:nvGrpSpPr>
+        <p:cNvPr id="1" name=""/>
+        <p:cNvGrpSpPr/>
+        <p:nvPr/>
+      </p:nvGrpSpPr>
+      <p:grpSpPr>
+        <a:xfrm>
+          <a:off x="0" y="0"/>
+          <a:ext cx="0" cy="0"/>
+          <a:chOff x="0" y="0"/>
+          <a:chExt cx="0" cy="0"/>
+        </a:xfrm>
+      </p:grpSpPr>
+      <p:pic>
+        <p:nvPicPr>
+          <p:cNvPr id="2" name="Grafik 1">
+            <a:extLst>
+              <a:ext uri="{FF2B5EF4-FFF2-40B4-BE49-F238E27FC236}">
+                <a16:creationId xmlns:a16="http://schemas.microsoft.com/office/drawing/2014/main" id="{62ED1DAB-D047-A34F-BBBB-A3B81E2CA28B}"/>
+              </a:ext>
+            </a:extLst>
+          </p:cNvPr>
+          <p:cNvPicPr>
+            <a:picLocks noChangeAspect="1"/>
+          </p:cNvPicPr>
+          <p:nvPr/>
+        </p:nvPicPr>
+        <p:blipFill>
+          <a:blip r:embed="rId2">
+            <a:extLst>
+              <a:ext uri="{96DAC541-7B7A-43D3-8B79-37D633B846F1}">
+                <asvg:svgBlip xmlns:asvg="http://schemas.microsoft.com/office/drawing/2016/SVG/main" r:embed="rId3"/>
+              </a:ext>
+            </a:extLst>
+          </a:blip>
+          <a:srcRect/>
+          <a:stretch/>
+        </p:blipFill>
+        <p:spPr>
+          <a:xfrm>
+            <a:off x="0" y="0"/>
+            <a:ext cx="3810000" cy="3810000"/>
+          </a:xfrm>
+          <a:prstGeom prst="rect">
+            <a:avLst/>
+          </a:prstGeom>
+        </p:spPr>
+      </p:pic>
+    </p:spTree>
+    <p:extLst>
+      <p:ext uri="{BB962C8B-B14F-4D97-AF65-F5344CB8AC3E}">
+        <p14:creationId xmlns:p14="http://schemas.microsoft.com/office/powerpoint/2010/main" val="2919490694"/>
+      </p:ext>
+    </p:extLst>
+  </p:cSld>
+  <p:clrMapOvr>
+    <a:masterClrMapping/>
+  </p:clrMapOvr>
+</p:sld>
+</file>
+
 <file path=ppt/slides/slide2.xml><?xml version="1.0" encoding="utf-8"?>
 <p:sld xmlns:a="http://schemas.openxmlformats.org/drawingml/2006/main" xmlns:r="http://schemas.openxmlformats.org/officeDocument/2006/relationships" xmlns:p="http://schemas.openxmlformats.org/presentationml/2006/main">
   <p:cSld>
@@ -3475,10 +3545,10 @@
       </p:pic>
       <p:pic>
         <p:nvPicPr>
-          <p:cNvPr id="3" name="Grafik 2">
-            <a:extLst>
-              <a:ext uri="{FF2B5EF4-FFF2-40B4-BE49-F238E27FC236}">
-                <a16:creationId xmlns:a16="http://schemas.microsoft.com/office/drawing/2014/main" id="{847429C9-CBD9-976F-FE53-8E74E4FD0852}"/>
+          <p:cNvPr id="7" name="Grafik 6">
+            <a:extLst>
+              <a:ext uri="{FF2B5EF4-FFF2-40B4-BE49-F238E27FC236}">
+                <a16:creationId xmlns:a16="http://schemas.microsoft.com/office/drawing/2014/main" id="{D34664A2-86CE-5C2C-EA61-7F19D487B9F8}"/>
               </a:ext>
             </a:extLst>
           </p:cNvPr>
@@ -3490,65 +3560,35 @@
         <p:blipFill>
           <a:blip r:embed="rId4">
             <a:extLst>
-              <a:ext uri="{96DAC541-7B7A-43D3-8B79-37D633B846F1}">
-                <asvg:svgBlip xmlns:asvg="http://schemas.microsoft.com/office/drawing/2016/SVG/main" r:embed="rId5"/>
+              <a:ext uri="{28A0092B-C50C-407E-A947-70E740481C1C}">
+                <a14:useLocalDpi xmlns:a14="http://schemas.microsoft.com/office/drawing/2010/main" val="0"/>
               </a:ext>
             </a:extLst>
           </a:blip>
-          <a:stretch>
-            <a:fillRect/>
-          </a:stretch>
+          <a:srcRect/>
+          <a:stretch/>
         </p:blipFill>
         <p:spPr>
           <a:xfrm>
-            <a:off x="5981700" y="3314700"/>
-            <a:ext cx="228600" cy="228600"/>
+            <a:off x="659702" y="1615691"/>
+            <a:ext cx="2495692" cy="577896"/>
           </a:xfrm>
           <a:prstGeom prst="rect">
             <a:avLst/>
           </a:prstGeom>
-        </p:spPr>
-      </p:pic>
-      <p:pic>
-        <p:nvPicPr>
-          <p:cNvPr id="6" name="Grafik 5">
-            <a:extLst>
-              <a:ext uri="{FF2B5EF4-FFF2-40B4-BE49-F238E27FC236}">
-                <a16:creationId xmlns:a16="http://schemas.microsoft.com/office/drawing/2014/main" id="{47CFF316-3EEB-4E1C-4FC2-B6540BADAC89}"/>
-              </a:ext>
-            </a:extLst>
-          </p:cNvPr>
-          <p:cNvPicPr>
-            <a:picLocks noChangeAspect="1"/>
-          </p:cNvPicPr>
-          <p:nvPr/>
-        </p:nvPicPr>
-        <p:blipFill>
-          <a:blip r:embed="rId4">
-            <a:extLst>
-              <a:ext uri="{96DAC541-7B7A-43D3-8B79-37D633B846F1}">
-                <asvg:svgBlip xmlns:asvg="http://schemas.microsoft.com/office/drawing/2016/SVG/main" r:embed="rId5"/>
-              </a:ext>
-            </a:extLst>
-          </a:blip>
-          <a:stretch>
-            <a:fillRect/>
-          </a:stretch>
-        </p:blipFill>
-        <p:spPr>
-          <a:xfrm>
-            <a:off x="1559641" y="1559641"/>
-            <a:ext cx="690717" cy="690717"/>
-          </a:xfrm>
-          <a:prstGeom prst="rect">
-            <a:avLst/>
-          </a:prstGeom>
+          <a:effectLst>
+            <a:outerShdw blurRad="63500" sx="102000" sy="102000" algn="ctr" rotWithShape="0">
+              <a:prstClr val="black">
+                <a:alpha val="40000"/>
+              </a:prstClr>
+            </a:outerShdw>
+          </a:effectLst>
         </p:spPr>
       </p:pic>
     </p:spTree>
     <p:extLst>
       <p:ext uri="{BB962C8B-B14F-4D97-AF65-F5344CB8AC3E}">
-        <p14:creationId xmlns:p14="http://schemas.microsoft.com/office/powerpoint/2010/main" val="1508621249"/>
+        <p14:creationId xmlns:p14="http://schemas.microsoft.com/office/powerpoint/2010/main" val="2347355375"/>
       </p:ext>
     </p:extLst>
   </p:cSld>
@@ -3612,10 +3652,10 @@
       </p:pic>
       <p:pic>
         <p:nvPicPr>
-          <p:cNvPr id="3" name="Grafik 2">
-            <a:extLst>
-              <a:ext uri="{FF2B5EF4-FFF2-40B4-BE49-F238E27FC236}">
-                <a16:creationId xmlns:a16="http://schemas.microsoft.com/office/drawing/2014/main" id="{847429C9-CBD9-976F-FE53-8E74E4FD0852}"/>
+          <p:cNvPr id="7" name="Grafik 6">
+            <a:extLst>
+              <a:ext uri="{FF2B5EF4-FFF2-40B4-BE49-F238E27FC236}">
+                <a16:creationId xmlns:a16="http://schemas.microsoft.com/office/drawing/2014/main" id="{D34664A2-86CE-5C2C-EA61-7F19D487B9F8}"/>
               </a:ext>
             </a:extLst>
           </p:cNvPr>
@@ -3627,44 +3667,8 @@
         <p:blipFill>
           <a:blip r:embed="rId4">
             <a:extLst>
-              <a:ext uri="{96DAC541-7B7A-43D3-8B79-37D633B846F1}">
-                <asvg:svgBlip xmlns:asvg="http://schemas.microsoft.com/office/drawing/2016/SVG/main" r:embed="rId5"/>
-              </a:ext>
-            </a:extLst>
-          </a:blip>
-          <a:stretch>
-            <a:fillRect/>
-          </a:stretch>
-        </p:blipFill>
-        <p:spPr>
-          <a:xfrm>
-            <a:off x="5981700" y="3314700"/>
-            <a:ext cx="228600" cy="228600"/>
-          </a:xfrm>
-          <a:prstGeom prst="rect">
-            <a:avLst/>
-          </a:prstGeom>
-        </p:spPr>
-      </p:pic>
-      <p:pic>
-        <p:nvPicPr>
-          <p:cNvPr id="6" name="Grafik 5">
-            <a:extLst>
-              <a:ext uri="{FF2B5EF4-FFF2-40B4-BE49-F238E27FC236}">
-                <a16:creationId xmlns:a16="http://schemas.microsoft.com/office/drawing/2014/main" id="{47CFF316-3EEB-4E1C-4FC2-B6540BADAC89}"/>
-              </a:ext>
-            </a:extLst>
-          </p:cNvPr>
-          <p:cNvPicPr>
-            <a:picLocks noChangeAspect="1"/>
-          </p:cNvPicPr>
-          <p:nvPr/>
-        </p:nvPicPr>
-        <p:blipFill>
-          <a:blip r:embed="rId6">
-            <a:extLst>
-              <a:ext uri="{96DAC541-7B7A-43D3-8B79-37D633B846F1}">
-                <asvg:svgBlip xmlns:asvg="http://schemas.microsoft.com/office/drawing/2016/SVG/main" r:embed="rId7"/>
+              <a:ext uri="{28A0092B-C50C-407E-A947-70E740481C1C}">
+                <a14:useLocalDpi xmlns:a14="http://schemas.microsoft.com/office/drawing/2010/main" val="0"/>
               </a:ext>
             </a:extLst>
           </a:blip>
@@ -3673,54 +3677,25 @@
         </p:blipFill>
         <p:spPr>
           <a:xfrm>
-            <a:off x="1559641" y="1559641"/>
-            <a:ext cx="690717" cy="690717"/>
+            <a:off x="659702" y="1618594"/>
+            <a:ext cx="2495692" cy="572089"/>
           </a:xfrm>
           <a:prstGeom prst="rect">
             <a:avLst/>
           </a:prstGeom>
-        </p:spPr>
-      </p:pic>
-      <p:pic>
-        <p:nvPicPr>
-          <p:cNvPr id="10" name="Grafik 9">
-            <a:extLst>
-              <a:ext uri="{FF2B5EF4-FFF2-40B4-BE49-F238E27FC236}">
-                <a16:creationId xmlns:a16="http://schemas.microsoft.com/office/drawing/2014/main" id="{F660D2B1-595A-64A1-DB08-6489BA50EFE4}"/>
-              </a:ext>
-            </a:extLst>
-          </p:cNvPr>
-          <p:cNvPicPr>
-            <a:picLocks noChangeAspect="1"/>
-          </p:cNvPicPr>
-          <p:nvPr/>
-        </p:nvPicPr>
-        <p:blipFill>
-          <a:blip r:embed="rId6">
-            <a:extLst>
-              <a:ext uri="{96DAC541-7B7A-43D3-8B79-37D633B846F1}">
-                <asvg:svgBlip xmlns:asvg="http://schemas.microsoft.com/office/drawing/2016/SVG/main" r:embed="rId7"/>
-              </a:ext>
-            </a:extLst>
-          </a:blip>
-          <a:stretch>
-            <a:fillRect/>
-          </a:stretch>
-        </p:blipFill>
-        <p:spPr>
-          <a:xfrm>
-            <a:off x="5981700" y="3314700"/>
-            <a:ext cx="228600" cy="228600"/>
-          </a:xfrm>
-          <a:prstGeom prst="rect">
-            <a:avLst/>
-          </a:prstGeom>
+          <a:effectLst>
+            <a:outerShdw blurRad="63500" sx="102000" sy="102000" algn="ctr" rotWithShape="0">
+              <a:prstClr val="black">
+                <a:alpha val="40000"/>
+              </a:prstClr>
+            </a:outerShdw>
+          </a:effectLst>
         </p:spPr>
       </p:pic>
     </p:spTree>
     <p:extLst>
       <p:ext uri="{BB962C8B-B14F-4D97-AF65-F5344CB8AC3E}">
-        <p14:creationId xmlns:p14="http://schemas.microsoft.com/office/powerpoint/2010/main" val="2053301316"/>
+        <p14:creationId xmlns:p14="http://schemas.microsoft.com/office/powerpoint/2010/main" val="2022601403"/>
       </p:ext>
     </p:extLst>
   </p:cSld>
@@ -3784,7 +3759,7 @@
       </p:pic>
       <p:pic>
         <p:nvPicPr>
-          <p:cNvPr id="7" name="Grafik 6" descr="Ein Bild, das Text, Schrift, Screenshot, Logo enthält.&#10;&#10;Automatisch generierte Beschreibung">
+          <p:cNvPr id="7" name="Grafik 6">
             <a:extLst>
               <a:ext uri="{FF2B5EF4-FFF2-40B4-BE49-F238E27FC236}">
                 <a16:creationId xmlns:a16="http://schemas.microsoft.com/office/drawing/2014/main" id="{D34664A2-86CE-5C2C-EA61-7F19D487B9F8}"/>
@@ -3804,14 +3779,13 @@
               </a:ext>
             </a:extLst>
           </a:blip>
-          <a:stretch>
-            <a:fillRect/>
-          </a:stretch>
+          <a:srcRect/>
+          <a:stretch/>
         </p:blipFill>
         <p:spPr>
           <a:xfrm>
-            <a:off x="659701" y="2184860"/>
-            <a:ext cx="2495692" cy="841639"/>
+            <a:off x="780080" y="1418897"/>
+            <a:ext cx="2249839" cy="972206"/>
           </a:xfrm>
           <a:prstGeom prst="rect">
             <a:avLst/>
@@ -3825,45 +3799,10 @@
           </a:effectLst>
         </p:spPr>
       </p:pic>
-      <p:pic>
-        <p:nvPicPr>
-          <p:cNvPr id="3" name="Grafik 2" descr="Ein Bild, das Text, Screenshot, Person enthält.&#10;&#10;Automatisch generierte Beschreibung">
-            <a:extLst>
-              <a:ext uri="{FF2B5EF4-FFF2-40B4-BE49-F238E27FC236}">
-                <a16:creationId xmlns:a16="http://schemas.microsoft.com/office/drawing/2014/main" id="{7F7F630F-B3AA-5227-33D7-8DB82626374E}"/>
-              </a:ext>
-            </a:extLst>
-          </p:cNvPr>
-          <p:cNvPicPr>
-            <a:picLocks noChangeAspect="1"/>
-          </p:cNvPicPr>
-          <p:nvPr/>
-        </p:nvPicPr>
-        <p:blipFill rotWithShape="1">
-          <a:blip r:embed="rId5">
-            <a:extLst>
-              <a:ext uri="{28A0092B-C50C-407E-A947-70E740481C1C}">
-                <a14:useLocalDpi xmlns:a14="http://schemas.microsoft.com/office/drawing/2010/main" val="0"/>
-              </a:ext>
-            </a:extLst>
-          </a:blip>
-          <a:srcRect t="-19474" r="33004" b="23210"/>
-          <a:stretch/>
-        </p:blipFill>
-        <p:spPr>
-          <a:xfrm>
-            <a:off x="268518" y="344729"/>
-            <a:ext cx="3541482" cy="3465271"/>
-          </a:xfrm>
-          <a:prstGeom prst="rect">
-            <a:avLst/>
-          </a:prstGeom>
-        </p:spPr>
-      </p:pic>
     </p:spTree>
     <p:extLst>
       <p:ext uri="{BB962C8B-B14F-4D97-AF65-F5344CB8AC3E}">
-        <p14:creationId xmlns:p14="http://schemas.microsoft.com/office/powerpoint/2010/main" val="644209843"/>
+        <p14:creationId xmlns:p14="http://schemas.microsoft.com/office/powerpoint/2010/main" val="1542140265"/>
       </p:ext>
     </p:extLst>
   </p:cSld>
@@ -3892,10 +3831,10 @@
       </p:grpSpPr>
       <p:pic>
         <p:nvPicPr>
-          <p:cNvPr id="2" name="Grafik 1">
-            <a:extLst>
-              <a:ext uri="{FF2B5EF4-FFF2-40B4-BE49-F238E27FC236}">
-                <a16:creationId xmlns:a16="http://schemas.microsoft.com/office/drawing/2014/main" id="{62ED1DAB-D047-A34F-BBBB-A3B81E2CA28B}"/>
+          <p:cNvPr id="5" name="Grafik 4">
+            <a:extLst>
+              <a:ext uri="{FF2B5EF4-FFF2-40B4-BE49-F238E27FC236}">
+                <a16:creationId xmlns:a16="http://schemas.microsoft.com/office/drawing/2014/main" id="{A8F13007-E84E-4430-6FFF-C6E15D9AB7ED}"/>
               </a:ext>
             </a:extLst>
           </p:cNvPr>
@@ -3925,10 +3864,605 @@
           </a:prstGeom>
         </p:spPr>
       </p:pic>
+      <p:pic>
+        <p:nvPicPr>
+          <p:cNvPr id="7" name="Grafik 6">
+            <a:extLst>
+              <a:ext uri="{FF2B5EF4-FFF2-40B4-BE49-F238E27FC236}">
+                <a16:creationId xmlns:a16="http://schemas.microsoft.com/office/drawing/2014/main" id="{D34664A2-86CE-5C2C-EA61-7F19D487B9F8}"/>
+              </a:ext>
+            </a:extLst>
+          </p:cNvPr>
+          <p:cNvPicPr>
+            <a:picLocks noChangeAspect="1"/>
+          </p:cNvPicPr>
+          <p:nvPr/>
+        </p:nvPicPr>
+        <p:blipFill>
+          <a:blip r:embed="rId4">
+            <a:extLst>
+              <a:ext uri="{28A0092B-C50C-407E-A947-70E740481C1C}">
+                <a14:useLocalDpi xmlns:a14="http://schemas.microsoft.com/office/drawing/2010/main" val="0"/>
+              </a:ext>
+            </a:extLst>
+          </a:blip>
+          <a:srcRect/>
+          <a:stretch/>
+        </p:blipFill>
+        <p:spPr>
+          <a:xfrm>
+            <a:off x="780080" y="1461628"/>
+            <a:ext cx="2249839" cy="886744"/>
+          </a:xfrm>
+          <a:prstGeom prst="rect">
+            <a:avLst/>
+          </a:prstGeom>
+          <a:effectLst>
+            <a:outerShdw blurRad="63500" sx="102000" sy="102000" algn="ctr" rotWithShape="0">
+              <a:prstClr val="black">
+                <a:alpha val="40000"/>
+              </a:prstClr>
+            </a:outerShdw>
+          </a:effectLst>
+        </p:spPr>
+      </p:pic>
     </p:spTree>
     <p:extLst>
       <p:ext uri="{BB962C8B-B14F-4D97-AF65-F5344CB8AC3E}">
-        <p14:creationId xmlns:p14="http://schemas.microsoft.com/office/powerpoint/2010/main" val="2919490694"/>
+        <p14:creationId xmlns:p14="http://schemas.microsoft.com/office/powerpoint/2010/main" val="3323257888"/>
+      </p:ext>
+    </p:extLst>
+  </p:cSld>
+  <p:clrMapOvr>
+    <a:masterClrMapping/>
+  </p:clrMapOvr>
+</p:sld>
+</file>
+
+<file path=ppt/slides/slide6.xml><?xml version="1.0" encoding="utf-8"?>
+<p:sld xmlns:a="http://schemas.openxmlformats.org/drawingml/2006/main" xmlns:r="http://schemas.openxmlformats.org/officeDocument/2006/relationships" xmlns:p="http://schemas.openxmlformats.org/presentationml/2006/main">
+  <p:cSld>
+    <p:spTree>
+      <p:nvGrpSpPr>
+        <p:cNvPr id="1" name=""/>
+        <p:cNvGrpSpPr/>
+        <p:nvPr/>
+      </p:nvGrpSpPr>
+      <p:grpSpPr>
+        <a:xfrm>
+          <a:off x="0" y="0"/>
+          <a:ext cx="0" cy="0"/>
+          <a:chOff x="0" y="0"/>
+          <a:chExt cx="0" cy="0"/>
+        </a:xfrm>
+      </p:grpSpPr>
+      <p:pic>
+        <p:nvPicPr>
+          <p:cNvPr id="5" name="Grafik 4">
+            <a:extLst>
+              <a:ext uri="{FF2B5EF4-FFF2-40B4-BE49-F238E27FC236}">
+                <a16:creationId xmlns:a16="http://schemas.microsoft.com/office/drawing/2014/main" id="{A8F13007-E84E-4430-6FFF-C6E15D9AB7ED}"/>
+              </a:ext>
+            </a:extLst>
+          </p:cNvPr>
+          <p:cNvPicPr>
+            <a:picLocks noChangeAspect="1"/>
+          </p:cNvPicPr>
+          <p:nvPr/>
+        </p:nvPicPr>
+        <p:blipFill>
+          <a:blip r:embed="rId2">
+            <a:extLst>
+              <a:ext uri="{96DAC541-7B7A-43D3-8B79-37D633B846F1}">
+                <asvg:svgBlip xmlns:asvg="http://schemas.microsoft.com/office/drawing/2016/SVG/main" r:embed="rId3"/>
+              </a:ext>
+            </a:extLst>
+          </a:blip>
+          <a:srcRect/>
+          <a:stretch/>
+        </p:blipFill>
+        <p:spPr>
+          <a:xfrm>
+            <a:off x="0" y="0"/>
+            <a:ext cx="3810000" cy="3810000"/>
+          </a:xfrm>
+          <a:prstGeom prst="rect">
+            <a:avLst/>
+          </a:prstGeom>
+        </p:spPr>
+      </p:pic>
+      <p:pic>
+        <p:nvPicPr>
+          <p:cNvPr id="3" name="Grafik 2" descr="Ein Bild, das Text, Screenshot, Zahl, Schrift enthält.&#10;&#10;Automatisch generierte Beschreibung">
+            <a:extLst>
+              <a:ext uri="{FF2B5EF4-FFF2-40B4-BE49-F238E27FC236}">
+                <a16:creationId xmlns:a16="http://schemas.microsoft.com/office/drawing/2014/main" id="{BAC0BC09-BA3A-C25D-451C-3CA2CCB24666}"/>
+              </a:ext>
+            </a:extLst>
+          </p:cNvPr>
+          <p:cNvPicPr>
+            <a:picLocks noChangeAspect="1"/>
+          </p:cNvPicPr>
+          <p:nvPr/>
+        </p:nvPicPr>
+        <p:blipFill>
+          <a:blip r:embed="rId4">
+            <a:extLst>
+              <a:ext uri="{28A0092B-C50C-407E-A947-70E740481C1C}">
+                <a14:useLocalDpi xmlns:a14="http://schemas.microsoft.com/office/drawing/2010/main" val="0"/>
+              </a:ext>
+            </a:extLst>
+          </a:blip>
+          <a:stretch>
+            <a:fillRect/>
+          </a:stretch>
+        </p:blipFill>
+        <p:spPr>
+          <a:xfrm>
+            <a:off x="861023" y="1078701"/>
+            <a:ext cx="2087954" cy="2478507"/>
+          </a:xfrm>
+          <a:prstGeom prst="rect">
+            <a:avLst/>
+          </a:prstGeom>
+        </p:spPr>
+      </p:pic>
+    </p:spTree>
+    <p:extLst>
+      <p:ext uri="{BB962C8B-B14F-4D97-AF65-F5344CB8AC3E}">
+        <p14:creationId xmlns:p14="http://schemas.microsoft.com/office/powerpoint/2010/main" val="93488881"/>
+      </p:ext>
+    </p:extLst>
+  </p:cSld>
+  <p:clrMapOvr>
+    <a:masterClrMapping/>
+  </p:clrMapOvr>
+</p:sld>
+</file>
+
+<file path=ppt/slides/slide7.xml><?xml version="1.0" encoding="utf-8"?>
+<p:sld xmlns:a="http://schemas.openxmlformats.org/drawingml/2006/main" xmlns:r="http://schemas.openxmlformats.org/officeDocument/2006/relationships" xmlns:p="http://schemas.openxmlformats.org/presentationml/2006/main">
+  <p:cSld>
+    <p:spTree>
+      <p:nvGrpSpPr>
+        <p:cNvPr id="1" name=""/>
+        <p:cNvGrpSpPr/>
+        <p:nvPr/>
+      </p:nvGrpSpPr>
+      <p:grpSpPr>
+        <a:xfrm>
+          <a:off x="0" y="0"/>
+          <a:ext cx="0" cy="0"/>
+          <a:chOff x="0" y="0"/>
+          <a:chExt cx="0" cy="0"/>
+        </a:xfrm>
+      </p:grpSpPr>
+      <p:pic>
+        <p:nvPicPr>
+          <p:cNvPr id="5" name="Grafik 4">
+            <a:extLst>
+              <a:ext uri="{FF2B5EF4-FFF2-40B4-BE49-F238E27FC236}">
+                <a16:creationId xmlns:a16="http://schemas.microsoft.com/office/drawing/2014/main" id="{A8F13007-E84E-4430-6FFF-C6E15D9AB7ED}"/>
+              </a:ext>
+            </a:extLst>
+          </p:cNvPr>
+          <p:cNvPicPr>
+            <a:picLocks noChangeAspect="1"/>
+          </p:cNvPicPr>
+          <p:nvPr/>
+        </p:nvPicPr>
+        <p:blipFill>
+          <a:blip r:embed="rId2">
+            <a:extLst>
+              <a:ext uri="{96DAC541-7B7A-43D3-8B79-37D633B846F1}">
+                <asvg:svgBlip xmlns:asvg="http://schemas.microsoft.com/office/drawing/2016/SVG/main" r:embed="rId3"/>
+              </a:ext>
+            </a:extLst>
+          </a:blip>
+          <a:srcRect/>
+          <a:stretch/>
+        </p:blipFill>
+        <p:spPr>
+          <a:xfrm>
+            <a:off x="0" y="0"/>
+            <a:ext cx="3810000" cy="3810000"/>
+          </a:xfrm>
+          <a:prstGeom prst="rect">
+            <a:avLst/>
+          </a:prstGeom>
+        </p:spPr>
+      </p:pic>
+      <p:pic>
+        <p:nvPicPr>
+          <p:cNvPr id="3" name="Grafik 2">
+            <a:extLst>
+              <a:ext uri="{FF2B5EF4-FFF2-40B4-BE49-F238E27FC236}">
+                <a16:creationId xmlns:a16="http://schemas.microsoft.com/office/drawing/2014/main" id="{847429C9-CBD9-976F-FE53-8E74E4FD0852}"/>
+              </a:ext>
+            </a:extLst>
+          </p:cNvPr>
+          <p:cNvPicPr>
+            <a:picLocks noChangeAspect="1"/>
+          </p:cNvPicPr>
+          <p:nvPr/>
+        </p:nvPicPr>
+        <p:blipFill>
+          <a:blip r:embed="rId4">
+            <a:extLst>
+              <a:ext uri="{96DAC541-7B7A-43D3-8B79-37D633B846F1}">
+                <asvg:svgBlip xmlns:asvg="http://schemas.microsoft.com/office/drawing/2016/SVG/main" r:embed="rId5"/>
+              </a:ext>
+            </a:extLst>
+          </a:blip>
+          <a:stretch>
+            <a:fillRect/>
+          </a:stretch>
+        </p:blipFill>
+        <p:spPr>
+          <a:xfrm>
+            <a:off x="5981700" y="3314700"/>
+            <a:ext cx="228600" cy="228600"/>
+          </a:xfrm>
+          <a:prstGeom prst="rect">
+            <a:avLst/>
+          </a:prstGeom>
+        </p:spPr>
+      </p:pic>
+      <p:pic>
+        <p:nvPicPr>
+          <p:cNvPr id="6" name="Grafik 5">
+            <a:extLst>
+              <a:ext uri="{FF2B5EF4-FFF2-40B4-BE49-F238E27FC236}">
+                <a16:creationId xmlns:a16="http://schemas.microsoft.com/office/drawing/2014/main" id="{47CFF316-3EEB-4E1C-4FC2-B6540BADAC89}"/>
+              </a:ext>
+            </a:extLst>
+          </p:cNvPr>
+          <p:cNvPicPr>
+            <a:picLocks noChangeAspect="1"/>
+          </p:cNvPicPr>
+          <p:nvPr/>
+        </p:nvPicPr>
+        <p:blipFill>
+          <a:blip r:embed="rId4">
+            <a:extLst>
+              <a:ext uri="{96DAC541-7B7A-43D3-8B79-37D633B846F1}">
+                <asvg:svgBlip xmlns:asvg="http://schemas.microsoft.com/office/drawing/2016/SVG/main" r:embed="rId5"/>
+              </a:ext>
+            </a:extLst>
+          </a:blip>
+          <a:stretch>
+            <a:fillRect/>
+          </a:stretch>
+        </p:blipFill>
+        <p:spPr>
+          <a:xfrm>
+            <a:off x="1559641" y="1559641"/>
+            <a:ext cx="690717" cy="690717"/>
+          </a:xfrm>
+          <a:prstGeom prst="rect">
+            <a:avLst/>
+          </a:prstGeom>
+        </p:spPr>
+      </p:pic>
+    </p:spTree>
+    <p:extLst>
+      <p:ext uri="{BB962C8B-B14F-4D97-AF65-F5344CB8AC3E}">
+        <p14:creationId xmlns:p14="http://schemas.microsoft.com/office/powerpoint/2010/main" val="1508621249"/>
+      </p:ext>
+    </p:extLst>
+  </p:cSld>
+  <p:clrMapOvr>
+    <a:masterClrMapping/>
+  </p:clrMapOvr>
+</p:sld>
+</file>
+
+<file path=ppt/slides/slide8.xml><?xml version="1.0" encoding="utf-8"?>
+<p:sld xmlns:a="http://schemas.openxmlformats.org/drawingml/2006/main" xmlns:r="http://schemas.openxmlformats.org/officeDocument/2006/relationships" xmlns:p="http://schemas.openxmlformats.org/presentationml/2006/main">
+  <p:cSld>
+    <p:spTree>
+      <p:nvGrpSpPr>
+        <p:cNvPr id="1" name=""/>
+        <p:cNvGrpSpPr/>
+        <p:nvPr/>
+      </p:nvGrpSpPr>
+      <p:grpSpPr>
+        <a:xfrm>
+          <a:off x="0" y="0"/>
+          <a:ext cx="0" cy="0"/>
+          <a:chOff x="0" y="0"/>
+          <a:chExt cx="0" cy="0"/>
+        </a:xfrm>
+      </p:grpSpPr>
+      <p:pic>
+        <p:nvPicPr>
+          <p:cNvPr id="5" name="Grafik 4">
+            <a:extLst>
+              <a:ext uri="{FF2B5EF4-FFF2-40B4-BE49-F238E27FC236}">
+                <a16:creationId xmlns:a16="http://schemas.microsoft.com/office/drawing/2014/main" id="{A8F13007-E84E-4430-6FFF-C6E15D9AB7ED}"/>
+              </a:ext>
+            </a:extLst>
+          </p:cNvPr>
+          <p:cNvPicPr>
+            <a:picLocks noChangeAspect="1"/>
+          </p:cNvPicPr>
+          <p:nvPr/>
+        </p:nvPicPr>
+        <p:blipFill>
+          <a:blip r:embed="rId2">
+            <a:extLst>
+              <a:ext uri="{96DAC541-7B7A-43D3-8B79-37D633B846F1}">
+                <asvg:svgBlip xmlns:asvg="http://schemas.microsoft.com/office/drawing/2016/SVG/main" r:embed="rId3"/>
+              </a:ext>
+            </a:extLst>
+          </a:blip>
+          <a:srcRect/>
+          <a:stretch/>
+        </p:blipFill>
+        <p:spPr>
+          <a:xfrm>
+            <a:off x="0" y="0"/>
+            <a:ext cx="3810000" cy="3810000"/>
+          </a:xfrm>
+          <a:prstGeom prst="rect">
+            <a:avLst/>
+          </a:prstGeom>
+        </p:spPr>
+      </p:pic>
+      <p:pic>
+        <p:nvPicPr>
+          <p:cNvPr id="3" name="Grafik 2">
+            <a:extLst>
+              <a:ext uri="{FF2B5EF4-FFF2-40B4-BE49-F238E27FC236}">
+                <a16:creationId xmlns:a16="http://schemas.microsoft.com/office/drawing/2014/main" id="{847429C9-CBD9-976F-FE53-8E74E4FD0852}"/>
+              </a:ext>
+            </a:extLst>
+          </p:cNvPr>
+          <p:cNvPicPr>
+            <a:picLocks noChangeAspect="1"/>
+          </p:cNvPicPr>
+          <p:nvPr/>
+        </p:nvPicPr>
+        <p:blipFill>
+          <a:blip r:embed="rId4">
+            <a:extLst>
+              <a:ext uri="{96DAC541-7B7A-43D3-8B79-37D633B846F1}">
+                <asvg:svgBlip xmlns:asvg="http://schemas.microsoft.com/office/drawing/2016/SVG/main" r:embed="rId5"/>
+              </a:ext>
+            </a:extLst>
+          </a:blip>
+          <a:stretch>
+            <a:fillRect/>
+          </a:stretch>
+        </p:blipFill>
+        <p:spPr>
+          <a:xfrm>
+            <a:off x="5981700" y="3314700"/>
+            <a:ext cx="228600" cy="228600"/>
+          </a:xfrm>
+          <a:prstGeom prst="rect">
+            <a:avLst/>
+          </a:prstGeom>
+        </p:spPr>
+      </p:pic>
+      <p:pic>
+        <p:nvPicPr>
+          <p:cNvPr id="6" name="Grafik 5">
+            <a:extLst>
+              <a:ext uri="{FF2B5EF4-FFF2-40B4-BE49-F238E27FC236}">
+                <a16:creationId xmlns:a16="http://schemas.microsoft.com/office/drawing/2014/main" id="{47CFF316-3EEB-4E1C-4FC2-B6540BADAC89}"/>
+              </a:ext>
+            </a:extLst>
+          </p:cNvPr>
+          <p:cNvPicPr>
+            <a:picLocks noChangeAspect="1"/>
+          </p:cNvPicPr>
+          <p:nvPr/>
+        </p:nvPicPr>
+        <p:blipFill>
+          <a:blip r:embed="rId6">
+            <a:extLst>
+              <a:ext uri="{96DAC541-7B7A-43D3-8B79-37D633B846F1}">
+                <asvg:svgBlip xmlns:asvg="http://schemas.microsoft.com/office/drawing/2016/SVG/main" r:embed="rId7"/>
+              </a:ext>
+            </a:extLst>
+          </a:blip>
+          <a:srcRect/>
+          <a:stretch/>
+        </p:blipFill>
+        <p:spPr>
+          <a:xfrm>
+            <a:off x="1559641" y="1559641"/>
+            <a:ext cx="690717" cy="690717"/>
+          </a:xfrm>
+          <a:prstGeom prst="rect">
+            <a:avLst/>
+          </a:prstGeom>
+        </p:spPr>
+      </p:pic>
+      <p:pic>
+        <p:nvPicPr>
+          <p:cNvPr id="10" name="Grafik 9">
+            <a:extLst>
+              <a:ext uri="{FF2B5EF4-FFF2-40B4-BE49-F238E27FC236}">
+                <a16:creationId xmlns:a16="http://schemas.microsoft.com/office/drawing/2014/main" id="{F660D2B1-595A-64A1-DB08-6489BA50EFE4}"/>
+              </a:ext>
+            </a:extLst>
+          </p:cNvPr>
+          <p:cNvPicPr>
+            <a:picLocks noChangeAspect="1"/>
+          </p:cNvPicPr>
+          <p:nvPr/>
+        </p:nvPicPr>
+        <p:blipFill>
+          <a:blip r:embed="rId6">
+            <a:extLst>
+              <a:ext uri="{96DAC541-7B7A-43D3-8B79-37D633B846F1}">
+                <asvg:svgBlip xmlns:asvg="http://schemas.microsoft.com/office/drawing/2016/SVG/main" r:embed="rId7"/>
+              </a:ext>
+            </a:extLst>
+          </a:blip>
+          <a:stretch>
+            <a:fillRect/>
+          </a:stretch>
+        </p:blipFill>
+        <p:spPr>
+          <a:xfrm>
+            <a:off x="5981700" y="3314700"/>
+            <a:ext cx="228600" cy="228600"/>
+          </a:xfrm>
+          <a:prstGeom prst="rect">
+            <a:avLst/>
+          </a:prstGeom>
+        </p:spPr>
+      </p:pic>
+    </p:spTree>
+    <p:extLst>
+      <p:ext uri="{BB962C8B-B14F-4D97-AF65-F5344CB8AC3E}">
+        <p14:creationId xmlns:p14="http://schemas.microsoft.com/office/powerpoint/2010/main" val="2053301316"/>
+      </p:ext>
+    </p:extLst>
+  </p:cSld>
+  <p:clrMapOvr>
+    <a:masterClrMapping/>
+  </p:clrMapOvr>
+</p:sld>
+</file>
+
+<file path=ppt/slides/slide9.xml><?xml version="1.0" encoding="utf-8"?>
+<p:sld xmlns:a="http://schemas.openxmlformats.org/drawingml/2006/main" xmlns:r="http://schemas.openxmlformats.org/officeDocument/2006/relationships" xmlns:p="http://schemas.openxmlformats.org/presentationml/2006/main">
+  <p:cSld>
+    <p:spTree>
+      <p:nvGrpSpPr>
+        <p:cNvPr id="1" name=""/>
+        <p:cNvGrpSpPr/>
+        <p:nvPr/>
+      </p:nvGrpSpPr>
+      <p:grpSpPr>
+        <a:xfrm>
+          <a:off x="0" y="0"/>
+          <a:ext cx="0" cy="0"/>
+          <a:chOff x="0" y="0"/>
+          <a:chExt cx="0" cy="0"/>
+        </a:xfrm>
+      </p:grpSpPr>
+      <p:pic>
+        <p:nvPicPr>
+          <p:cNvPr id="5" name="Grafik 4">
+            <a:extLst>
+              <a:ext uri="{FF2B5EF4-FFF2-40B4-BE49-F238E27FC236}">
+                <a16:creationId xmlns:a16="http://schemas.microsoft.com/office/drawing/2014/main" id="{A8F13007-E84E-4430-6FFF-C6E15D9AB7ED}"/>
+              </a:ext>
+            </a:extLst>
+          </p:cNvPr>
+          <p:cNvPicPr>
+            <a:picLocks noChangeAspect="1"/>
+          </p:cNvPicPr>
+          <p:nvPr/>
+        </p:nvPicPr>
+        <p:blipFill>
+          <a:blip r:embed="rId2">
+            <a:extLst>
+              <a:ext uri="{96DAC541-7B7A-43D3-8B79-37D633B846F1}">
+                <asvg:svgBlip xmlns:asvg="http://schemas.microsoft.com/office/drawing/2016/SVG/main" r:embed="rId3"/>
+              </a:ext>
+            </a:extLst>
+          </a:blip>
+          <a:srcRect/>
+          <a:stretch/>
+        </p:blipFill>
+        <p:spPr>
+          <a:xfrm>
+            <a:off x="0" y="0"/>
+            <a:ext cx="3810000" cy="3810000"/>
+          </a:xfrm>
+          <a:prstGeom prst="rect">
+            <a:avLst/>
+          </a:prstGeom>
+        </p:spPr>
+      </p:pic>
+      <p:pic>
+        <p:nvPicPr>
+          <p:cNvPr id="7" name="Grafik 6" descr="Ein Bild, das Text, Schrift, Screenshot, Logo enthält.&#10;&#10;Automatisch generierte Beschreibung">
+            <a:extLst>
+              <a:ext uri="{FF2B5EF4-FFF2-40B4-BE49-F238E27FC236}">
+                <a16:creationId xmlns:a16="http://schemas.microsoft.com/office/drawing/2014/main" id="{D34664A2-86CE-5C2C-EA61-7F19D487B9F8}"/>
+              </a:ext>
+            </a:extLst>
+          </p:cNvPr>
+          <p:cNvPicPr>
+            <a:picLocks noChangeAspect="1"/>
+          </p:cNvPicPr>
+          <p:nvPr/>
+        </p:nvPicPr>
+        <p:blipFill>
+          <a:blip r:embed="rId4">
+            <a:extLst>
+              <a:ext uri="{28A0092B-C50C-407E-A947-70E740481C1C}">
+                <a14:useLocalDpi xmlns:a14="http://schemas.microsoft.com/office/drawing/2010/main" val="0"/>
+              </a:ext>
+            </a:extLst>
+          </a:blip>
+          <a:stretch>
+            <a:fillRect/>
+          </a:stretch>
+        </p:blipFill>
+        <p:spPr>
+          <a:xfrm>
+            <a:off x="659701" y="2184860"/>
+            <a:ext cx="2495692" cy="841639"/>
+          </a:xfrm>
+          <a:prstGeom prst="rect">
+            <a:avLst/>
+          </a:prstGeom>
+          <a:effectLst>
+            <a:outerShdw blurRad="63500" sx="102000" sy="102000" algn="ctr" rotWithShape="0">
+              <a:prstClr val="black">
+                <a:alpha val="40000"/>
+              </a:prstClr>
+            </a:outerShdw>
+          </a:effectLst>
+        </p:spPr>
+      </p:pic>
+      <p:pic>
+        <p:nvPicPr>
+          <p:cNvPr id="3" name="Grafik 2" descr="Ein Bild, das Text, Screenshot, Person enthält.&#10;&#10;Automatisch generierte Beschreibung">
+            <a:extLst>
+              <a:ext uri="{FF2B5EF4-FFF2-40B4-BE49-F238E27FC236}">
+                <a16:creationId xmlns:a16="http://schemas.microsoft.com/office/drawing/2014/main" id="{7F7F630F-B3AA-5227-33D7-8DB82626374E}"/>
+              </a:ext>
+            </a:extLst>
+          </p:cNvPr>
+          <p:cNvPicPr>
+            <a:picLocks noChangeAspect="1"/>
+          </p:cNvPicPr>
+          <p:nvPr/>
+        </p:nvPicPr>
+        <p:blipFill rotWithShape="1">
+          <a:blip r:embed="rId5">
+            <a:extLst>
+              <a:ext uri="{28A0092B-C50C-407E-A947-70E740481C1C}">
+                <a14:useLocalDpi xmlns:a14="http://schemas.microsoft.com/office/drawing/2010/main" val="0"/>
+              </a:ext>
+            </a:extLst>
+          </a:blip>
+          <a:srcRect t="-19474" r="33004" b="23210"/>
+          <a:stretch/>
+        </p:blipFill>
+        <p:spPr>
+          <a:xfrm>
+            <a:off x="268518" y="344729"/>
+            <a:ext cx="3541482" cy="3465271"/>
+          </a:xfrm>
+          <a:prstGeom prst="rect">
+            <a:avLst/>
+          </a:prstGeom>
+        </p:spPr>
+      </p:pic>
+    </p:spTree>
+    <p:extLst>
+      <p:ext uri="{BB962C8B-B14F-4D97-AF65-F5344CB8AC3E}">
+        <p14:creationId xmlns:p14="http://schemas.microsoft.com/office/powerpoint/2010/main" val="644209843"/>
       </p:ext>
     </p:extLst>
   </p:cSld>

--- a/style_guide.pptx
+++ b/style_guide.pptx
@@ -6,15 +6,16 @@
   </p:sldMasterIdLst>
   <p:sldIdLst>
     <p:sldId id="256" r:id="rId2"/>
-    <p:sldId id="263" r:id="rId3"/>
-    <p:sldId id="265" r:id="rId4"/>
-    <p:sldId id="266" r:id="rId5"/>
-    <p:sldId id="267" r:id="rId6"/>
-    <p:sldId id="264" r:id="rId7"/>
-    <p:sldId id="260" r:id="rId8"/>
-    <p:sldId id="262" r:id="rId9"/>
-    <p:sldId id="259" r:id="rId10"/>
-    <p:sldId id="261" r:id="rId11"/>
+    <p:sldId id="268" r:id="rId3"/>
+    <p:sldId id="263" r:id="rId4"/>
+    <p:sldId id="265" r:id="rId5"/>
+    <p:sldId id="266" r:id="rId6"/>
+    <p:sldId id="267" r:id="rId7"/>
+    <p:sldId id="264" r:id="rId8"/>
+    <p:sldId id="260" r:id="rId9"/>
+    <p:sldId id="262" r:id="rId10"/>
+    <p:sldId id="259" r:id="rId11"/>
+    <p:sldId id="261" r:id="rId12"/>
   </p:sldIdLst>
   <p:sldSz cx="12192000" cy="6858000"/>
   <p:notesSz cx="6858000" cy="9144000"/>
@@ -3445,6 +3446,149 @@
       </p:grpSpPr>
       <p:pic>
         <p:nvPicPr>
+          <p:cNvPr id="5" name="Grafik 4">
+            <a:extLst>
+              <a:ext uri="{FF2B5EF4-FFF2-40B4-BE49-F238E27FC236}">
+                <a16:creationId xmlns:a16="http://schemas.microsoft.com/office/drawing/2014/main" id="{A8F13007-E84E-4430-6FFF-C6E15D9AB7ED}"/>
+              </a:ext>
+            </a:extLst>
+          </p:cNvPr>
+          <p:cNvPicPr>
+            <a:picLocks noChangeAspect="1"/>
+          </p:cNvPicPr>
+          <p:nvPr/>
+        </p:nvPicPr>
+        <p:blipFill>
+          <a:blip r:embed="rId2">
+            <a:extLst>
+              <a:ext uri="{96DAC541-7B7A-43D3-8B79-37D633B846F1}">
+                <asvg:svgBlip xmlns:asvg="http://schemas.microsoft.com/office/drawing/2016/SVG/main" r:embed="rId3"/>
+              </a:ext>
+            </a:extLst>
+          </a:blip>
+          <a:srcRect/>
+          <a:stretch/>
+        </p:blipFill>
+        <p:spPr>
+          <a:xfrm>
+            <a:off x="0" y="0"/>
+            <a:ext cx="3810000" cy="3810000"/>
+          </a:xfrm>
+          <a:prstGeom prst="rect">
+            <a:avLst/>
+          </a:prstGeom>
+        </p:spPr>
+      </p:pic>
+      <p:pic>
+        <p:nvPicPr>
+          <p:cNvPr id="7" name="Grafik 6" descr="Ein Bild, das Text, Schrift, Screenshot, Logo enthält.&#10;&#10;Automatisch generierte Beschreibung">
+            <a:extLst>
+              <a:ext uri="{FF2B5EF4-FFF2-40B4-BE49-F238E27FC236}">
+                <a16:creationId xmlns:a16="http://schemas.microsoft.com/office/drawing/2014/main" id="{D34664A2-86CE-5C2C-EA61-7F19D487B9F8}"/>
+              </a:ext>
+            </a:extLst>
+          </p:cNvPr>
+          <p:cNvPicPr>
+            <a:picLocks noChangeAspect="1"/>
+          </p:cNvPicPr>
+          <p:nvPr/>
+        </p:nvPicPr>
+        <p:blipFill>
+          <a:blip r:embed="rId4">
+            <a:extLst>
+              <a:ext uri="{28A0092B-C50C-407E-A947-70E740481C1C}">
+                <a14:useLocalDpi xmlns:a14="http://schemas.microsoft.com/office/drawing/2010/main" val="0"/>
+              </a:ext>
+            </a:extLst>
+          </a:blip>
+          <a:stretch>
+            <a:fillRect/>
+          </a:stretch>
+        </p:blipFill>
+        <p:spPr>
+          <a:xfrm>
+            <a:off x="659701" y="2184860"/>
+            <a:ext cx="2495692" cy="841639"/>
+          </a:xfrm>
+          <a:prstGeom prst="rect">
+            <a:avLst/>
+          </a:prstGeom>
+          <a:effectLst>
+            <a:outerShdw blurRad="63500" sx="102000" sy="102000" algn="ctr" rotWithShape="0">
+              <a:prstClr val="black">
+                <a:alpha val="40000"/>
+              </a:prstClr>
+            </a:outerShdw>
+          </a:effectLst>
+        </p:spPr>
+      </p:pic>
+      <p:pic>
+        <p:nvPicPr>
+          <p:cNvPr id="3" name="Grafik 2" descr="Ein Bild, das Text, Screenshot, Person enthält.&#10;&#10;Automatisch generierte Beschreibung">
+            <a:extLst>
+              <a:ext uri="{FF2B5EF4-FFF2-40B4-BE49-F238E27FC236}">
+                <a16:creationId xmlns:a16="http://schemas.microsoft.com/office/drawing/2014/main" id="{7F7F630F-B3AA-5227-33D7-8DB82626374E}"/>
+              </a:ext>
+            </a:extLst>
+          </p:cNvPr>
+          <p:cNvPicPr>
+            <a:picLocks noChangeAspect="1"/>
+          </p:cNvPicPr>
+          <p:nvPr/>
+        </p:nvPicPr>
+        <p:blipFill rotWithShape="1">
+          <a:blip r:embed="rId5">
+            <a:extLst>
+              <a:ext uri="{28A0092B-C50C-407E-A947-70E740481C1C}">
+                <a14:useLocalDpi xmlns:a14="http://schemas.microsoft.com/office/drawing/2010/main" val="0"/>
+              </a:ext>
+            </a:extLst>
+          </a:blip>
+          <a:srcRect t="-19474" r="33004" b="23210"/>
+          <a:stretch/>
+        </p:blipFill>
+        <p:spPr>
+          <a:xfrm>
+            <a:off x="268518" y="344729"/>
+            <a:ext cx="3541482" cy="3465271"/>
+          </a:xfrm>
+          <a:prstGeom prst="rect">
+            <a:avLst/>
+          </a:prstGeom>
+        </p:spPr>
+      </p:pic>
+    </p:spTree>
+    <p:extLst>
+      <p:ext uri="{BB962C8B-B14F-4D97-AF65-F5344CB8AC3E}">
+        <p14:creationId xmlns:p14="http://schemas.microsoft.com/office/powerpoint/2010/main" val="644209843"/>
+      </p:ext>
+    </p:extLst>
+  </p:cSld>
+  <p:clrMapOvr>
+    <a:masterClrMapping/>
+  </p:clrMapOvr>
+</p:sld>
+</file>
+
+<file path=ppt/slides/slide11.xml><?xml version="1.0" encoding="utf-8"?>
+<p:sld xmlns:a="http://schemas.openxmlformats.org/drawingml/2006/main" xmlns:r="http://schemas.openxmlformats.org/officeDocument/2006/relationships" xmlns:p="http://schemas.openxmlformats.org/presentationml/2006/main">
+  <p:cSld>
+    <p:spTree>
+      <p:nvGrpSpPr>
+        <p:cNvPr id="1" name=""/>
+        <p:cNvGrpSpPr/>
+        <p:nvPr/>
+      </p:nvGrpSpPr>
+      <p:grpSpPr>
+        <a:xfrm>
+          <a:off x="0" y="0"/>
+          <a:ext cx="0" cy="0"/>
+          <a:chOff x="0" y="0"/>
+          <a:chExt cx="0" cy="0"/>
+        </a:xfrm>
+      </p:grpSpPr>
+      <p:pic>
+        <p:nvPicPr>
           <p:cNvPr id="2" name="Grafik 1">
             <a:extLst>
               <a:ext uri="{FF2B5EF4-FFF2-40B4-BE49-F238E27FC236}">
@@ -3560,6 +3704,149 @@
         <p:blipFill>
           <a:blip r:embed="rId4">
             <a:extLst>
+              <a:ext uri="{96DAC541-7B7A-43D3-8B79-37D633B846F1}">
+                <asvg:svgBlip xmlns:asvg="http://schemas.microsoft.com/office/drawing/2016/SVG/main" r:embed="rId5"/>
+              </a:ext>
+            </a:extLst>
+          </a:blip>
+          <a:srcRect/>
+          <a:stretch/>
+        </p:blipFill>
+        <p:spPr>
+          <a:xfrm>
+            <a:off x="1486728" y="1483820"/>
+            <a:ext cx="841639" cy="841639"/>
+          </a:xfrm>
+          <a:prstGeom prst="rect">
+            <a:avLst/>
+          </a:prstGeom>
+          <a:effectLst>
+            <a:outerShdw blurRad="63500" sx="102000" sy="102000" algn="ctr" rotWithShape="0">
+              <a:prstClr val="black">
+                <a:alpha val="40000"/>
+              </a:prstClr>
+            </a:outerShdw>
+          </a:effectLst>
+        </p:spPr>
+      </p:pic>
+      <p:pic>
+        <p:nvPicPr>
+          <p:cNvPr id="3" name="Grafik 2">
+            <a:extLst>
+              <a:ext uri="{FF2B5EF4-FFF2-40B4-BE49-F238E27FC236}">
+                <a16:creationId xmlns:a16="http://schemas.microsoft.com/office/drawing/2014/main" id="{56DF2C53-B230-FC33-3785-3030C8341724}"/>
+              </a:ext>
+            </a:extLst>
+          </p:cNvPr>
+          <p:cNvPicPr>
+            <a:picLocks noChangeAspect="1"/>
+          </p:cNvPicPr>
+          <p:nvPr/>
+        </p:nvPicPr>
+        <p:blipFill>
+          <a:blip r:embed="rId4">
+            <a:extLst>
+              <a:ext uri="{96DAC541-7B7A-43D3-8B79-37D633B846F1}">
+                <asvg:svgBlip xmlns:asvg="http://schemas.microsoft.com/office/drawing/2016/SVG/main" r:embed="rId5"/>
+              </a:ext>
+            </a:extLst>
+          </a:blip>
+          <a:stretch>
+            <a:fillRect/>
+          </a:stretch>
+        </p:blipFill>
+        <p:spPr>
+          <a:xfrm>
+            <a:off x="5981699" y="3314699"/>
+            <a:ext cx="827809" cy="827809"/>
+          </a:xfrm>
+          <a:prstGeom prst="rect">
+            <a:avLst/>
+          </a:prstGeom>
+        </p:spPr>
+      </p:pic>
+    </p:spTree>
+    <p:extLst>
+      <p:ext uri="{BB962C8B-B14F-4D97-AF65-F5344CB8AC3E}">
+        <p14:creationId xmlns:p14="http://schemas.microsoft.com/office/powerpoint/2010/main" val="854257710"/>
+      </p:ext>
+    </p:extLst>
+  </p:cSld>
+  <p:clrMapOvr>
+    <a:masterClrMapping/>
+  </p:clrMapOvr>
+</p:sld>
+</file>
+
+<file path=ppt/slides/slide3.xml><?xml version="1.0" encoding="utf-8"?>
+<p:sld xmlns:a="http://schemas.openxmlformats.org/drawingml/2006/main" xmlns:r="http://schemas.openxmlformats.org/officeDocument/2006/relationships" xmlns:p="http://schemas.openxmlformats.org/presentationml/2006/main">
+  <p:cSld>
+    <p:spTree>
+      <p:nvGrpSpPr>
+        <p:cNvPr id="1" name=""/>
+        <p:cNvGrpSpPr/>
+        <p:nvPr/>
+      </p:nvGrpSpPr>
+      <p:grpSpPr>
+        <a:xfrm>
+          <a:off x="0" y="0"/>
+          <a:ext cx="0" cy="0"/>
+          <a:chOff x="0" y="0"/>
+          <a:chExt cx="0" cy="0"/>
+        </a:xfrm>
+      </p:grpSpPr>
+      <p:pic>
+        <p:nvPicPr>
+          <p:cNvPr id="5" name="Grafik 4">
+            <a:extLst>
+              <a:ext uri="{FF2B5EF4-FFF2-40B4-BE49-F238E27FC236}">
+                <a16:creationId xmlns:a16="http://schemas.microsoft.com/office/drawing/2014/main" id="{A8F13007-E84E-4430-6FFF-C6E15D9AB7ED}"/>
+              </a:ext>
+            </a:extLst>
+          </p:cNvPr>
+          <p:cNvPicPr>
+            <a:picLocks noChangeAspect="1"/>
+          </p:cNvPicPr>
+          <p:nvPr/>
+        </p:nvPicPr>
+        <p:blipFill>
+          <a:blip r:embed="rId2">
+            <a:extLst>
+              <a:ext uri="{96DAC541-7B7A-43D3-8B79-37D633B846F1}">
+                <asvg:svgBlip xmlns:asvg="http://schemas.microsoft.com/office/drawing/2016/SVG/main" r:embed="rId3"/>
+              </a:ext>
+            </a:extLst>
+          </a:blip>
+          <a:srcRect/>
+          <a:stretch/>
+        </p:blipFill>
+        <p:spPr>
+          <a:xfrm>
+            <a:off x="0" y="0"/>
+            <a:ext cx="3810000" cy="3810000"/>
+          </a:xfrm>
+          <a:prstGeom prst="rect">
+            <a:avLst/>
+          </a:prstGeom>
+        </p:spPr>
+      </p:pic>
+      <p:pic>
+        <p:nvPicPr>
+          <p:cNvPr id="7" name="Grafik 6">
+            <a:extLst>
+              <a:ext uri="{FF2B5EF4-FFF2-40B4-BE49-F238E27FC236}">
+                <a16:creationId xmlns:a16="http://schemas.microsoft.com/office/drawing/2014/main" id="{D34664A2-86CE-5C2C-EA61-7F19D487B9F8}"/>
+              </a:ext>
+            </a:extLst>
+          </p:cNvPr>
+          <p:cNvPicPr>
+            <a:picLocks noChangeAspect="1"/>
+          </p:cNvPicPr>
+          <p:nvPr/>
+        </p:nvPicPr>
+        <p:blipFill>
+          <a:blip r:embed="rId4">
+            <a:extLst>
               <a:ext uri="{28A0092B-C50C-407E-A947-70E740481C1C}">
                 <a14:useLocalDpi xmlns:a14="http://schemas.microsoft.com/office/drawing/2010/main" val="0"/>
               </a:ext>
@@ -3598,7 +3885,7 @@
 </p:sld>
 </file>
 
-<file path=ppt/slides/slide3.xml><?xml version="1.0" encoding="utf-8"?>
+<file path=ppt/slides/slide4.xml><?xml version="1.0" encoding="utf-8"?>
 <p:sld xmlns:a="http://schemas.openxmlformats.org/drawingml/2006/main" xmlns:r="http://schemas.openxmlformats.org/officeDocument/2006/relationships" xmlns:p="http://schemas.openxmlformats.org/presentationml/2006/main">
   <p:cSld>
     <p:spTree>
@@ -3705,7 +3992,7 @@
 </p:sld>
 </file>
 
-<file path=ppt/slides/slide4.xml><?xml version="1.0" encoding="utf-8"?>
+<file path=ppt/slides/slide5.xml><?xml version="1.0" encoding="utf-8"?>
 <p:sld xmlns:a="http://schemas.openxmlformats.org/drawingml/2006/main" xmlns:r="http://schemas.openxmlformats.org/officeDocument/2006/relationships" xmlns:p="http://schemas.openxmlformats.org/presentationml/2006/main">
   <p:cSld>
     <p:spTree>
@@ -3812,7 +4099,7 @@
 </p:sld>
 </file>
 
-<file path=ppt/slides/slide5.xml><?xml version="1.0" encoding="utf-8"?>
+<file path=ppt/slides/slide6.xml><?xml version="1.0" encoding="utf-8"?>
 <p:sld xmlns:a="http://schemas.openxmlformats.org/drawingml/2006/main" xmlns:r="http://schemas.openxmlformats.org/officeDocument/2006/relationships" xmlns:p="http://schemas.openxmlformats.org/presentationml/2006/main">
   <p:cSld>
     <p:spTree>
@@ -3919,107 +4206,6 @@
 </p:sld>
 </file>
 
-<file path=ppt/slides/slide6.xml><?xml version="1.0" encoding="utf-8"?>
-<p:sld xmlns:a="http://schemas.openxmlformats.org/drawingml/2006/main" xmlns:r="http://schemas.openxmlformats.org/officeDocument/2006/relationships" xmlns:p="http://schemas.openxmlformats.org/presentationml/2006/main">
-  <p:cSld>
-    <p:spTree>
-      <p:nvGrpSpPr>
-        <p:cNvPr id="1" name=""/>
-        <p:cNvGrpSpPr/>
-        <p:nvPr/>
-      </p:nvGrpSpPr>
-      <p:grpSpPr>
-        <a:xfrm>
-          <a:off x="0" y="0"/>
-          <a:ext cx="0" cy="0"/>
-          <a:chOff x="0" y="0"/>
-          <a:chExt cx="0" cy="0"/>
-        </a:xfrm>
-      </p:grpSpPr>
-      <p:pic>
-        <p:nvPicPr>
-          <p:cNvPr id="5" name="Grafik 4">
-            <a:extLst>
-              <a:ext uri="{FF2B5EF4-FFF2-40B4-BE49-F238E27FC236}">
-                <a16:creationId xmlns:a16="http://schemas.microsoft.com/office/drawing/2014/main" id="{A8F13007-E84E-4430-6FFF-C6E15D9AB7ED}"/>
-              </a:ext>
-            </a:extLst>
-          </p:cNvPr>
-          <p:cNvPicPr>
-            <a:picLocks noChangeAspect="1"/>
-          </p:cNvPicPr>
-          <p:nvPr/>
-        </p:nvPicPr>
-        <p:blipFill>
-          <a:blip r:embed="rId2">
-            <a:extLst>
-              <a:ext uri="{96DAC541-7B7A-43D3-8B79-37D633B846F1}">
-                <asvg:svgBlip xmlns:asvg="http://schemas.microsoft.com/office/drawing/2016/SVG/main" r:embed="rId3"/>
-              </a:ext>
-            </a:extLst>
-          </a:blip>
-          <a:srcRect/>
-          <a:stretch/>
-        </p:blipFill>
-        <p:spPr>
-          <a:xfrm>
-            <a:off x="0" y="0"/>
-            <a:ext cx="3810000" cy="3810000"/>
-          </a:xfrm>
-          <a:prstGeom prst="rect">
-            <a:avLst/>
-          </a:prstGeom>
-        </p:spPr>
-      </p:pic>
-      <p:pic>
-        <p:nvPicPr>
-          <p:cNvPr id="3" name="Grafik 2" descr="Ein Bild, das Text, Screenshot, Zahl, Schrift enthält.&#10;&#10;Automatisch generierte Beschreibung">
-            <a:extLst>
-              <a:ext uri="{FF2B5EF4-FFF2-40B4-BE49-F238E27FC236}">
-                <a16:creationId xmlns:a16="http://schemas.microsoft.com/office/drawing/2014/main" id="{BAC0BC09-BA3A-C25D-451C-3CA2CCB24666}"/>
-              </a:ext>
-            </a:extLst>
-          </p:cNvPr>
-          <p:cNvPicPr>
-            <a:picLocks noChangeAspect="1"/>
-          </p:cNvPicPr>
-          <p:nvPr/>
-        </p:nvPicPr>
-        <p:blipFill>
-          <a:blip r:embed="rId4">
-            <a:extLst>
-              <a:ext uri="{28A0092B-C50C-407E-A947-70E740481C1C}">
-                <a14:useLocalDpi xmlns:a14="http://schemas.microsoft.com/office/drawing/2010/main" val="0"/>
-              </a:ext>
-            </a:extLst>
-          </a:blip>
-          <a:stretch>
-            <a:fillRect/>
-          </a:stretch>
-        </p:blipFill>
-        <p:spPr>
-          <a:xfrm>
-            <a:off x="861023" y="1078701"/>
-            <a:ext cx="2087954" cy="2478507"/>
-          </a:xfrm>
-          <a:prstGeom prst="rect">
-            <a:avLst/>
-          </a:prstGeom>
-        </p:spPr>
-      </p:pic>
-    </p:spTree>
-    <p:extLst>
-      <p:ext uri="{BB962C8B-B14F-4D97-AF65-F5344CB8AC3E}">
-        <p14:creationId xmlns:p14="http://schemas.microsoft.com/office/powerpoint/2010/main" val="93488881"/>
-      </p:ext>
-    </p:extLst>
-  </p:cSld>
-  <p:clrMapOvr>
-    <a:masterClrMapping/>
-  </p:clrMapOvr>
-</p:sld>
-</file>
-
 <file path=ppt/slides/slide7.xml><?xml version="1.0" encoding="utf-8"?>
 <p:sld xmlns:a="http://schemas.openxmlformats.org/drawingml/2006/main" xmlns:r="http://schemas.openxmlformats.org/officeDocument/2006/relationships" xmlns:p="http://schemas.openxmlformats.org/presentationml/2006/main">
   <p:cSld>
@@ -4074,10 +4260,10 @@
       </p:pic>
       <p:pic>
         <p:nvPicPr>
-          <p:cNvPr id="3" name="Grafik 2">
-            <a:extLst>
-              <a:ext uri="{FF2B5EF4-FFF2-40B4-BE49-F238E27FC236}">
-                <a16:creationId xmlns:a16="http://schemas.microsoft.com/office/drawing/2014/main" id="{847429C9-CBD9-976F-FE53-8E74E4FD0852}"/>
+          <p:cNvPr id="3" name="Grafik 2" descr="Ein Bild, das Text, Screenshot, Zahl, Schrift enthält.&#10;&#10;Automatisch generierte Beschreibung">
+            <a:extLst>
+              <a:ext uri="{FF2B5EF4-FFF2-40B4-BE49-F238E27FC236}">
+                <a16:creationId xmlns:a16="http://schemas.microsoft.com/office/drawing/2014/main" id="{BAC0BC09-BA3A-C25D-451C-3CA2CCB24666}"/>
               </a:ext>
             </a:extLst>
           </p:cNvPr>
@@ -4089,8 +4275,8 @@
         <p:blipFill>
           <a:blip r:embed="rId4">
             <a:extLst>
-              <a:ext uri="{96DAC541-7B7A-43D3-8B79-37D633B846F1}">
-                <asvg:svgBlip xmlns:asvg="http://schemas.microsoft.com/office/drawing/2016/SVG/main" r:embed="rId5"/>
+              <a:ext uri="{28A0092B-C50C-407E-A947-70E740481C1C}">
+                <a14:useLocalDpi xmlns:a14="http://schemas.microsoft.com/office/drawing/2010/main" val="0"/>
               </a:ext>
             </a:extLst>
           </a:blip>
@@ -4100,44 +4286,8 @@
         </p:blipFill>
         <p:spPr>
           <a:xfrm>
-            <a:off x="5981700" y="3314700"/>
-            <a:ext cx="228600" cy="228600"/>
-          </a:xfrm>
-          <a:prstGeom prst="rect">
-            <a:avLst/>
-          </a:prstGeom>
-        </p:spPr>
-      </p:pic>
-      <p:pic>
-        <p:nvPicPr>
-          <p:cNvPr id="6" name="Grafik 5">
-            <a:extLst>
-              <a:ext uri="{FF2B5EF4-FFF2-40B4-BE49-F238E27FC236}">
-                <a16:creationId xmlns:a16="http://schemas.microsoft.com/office/drawing/2014/main" id="{47CFF316-3EEB-4E1C-4FC2-B6540BADAC89}"/>
-              </a:ext>
-            </a:extLst>
-          </p:cNvPr>
-          <p:cNvPicPr>
-            <a:picLocks noChangeAspect="1"/>
-          </p:cNvPicPr>
-          <p:nvPr/>
-        </p:nvPicPr>
-        <p:blipFill>
-          <a:blip r:embed="rId4">
-            <a:extLst>
-              <a:ext uri="{96DAC541-7B7A-43D3-8B79-37D633B846F1}">
-                <asvg:svgBlip xmlns:asvg="http://schemas.microsoft.com/office/drawing/2016/SVG/main" r:embed="rId5"/>
-              </a:ext>
-            </a:extLst>
-          </a:blip>
-          <a:stretch>
-            <a:fillRect/>
-          </a:stretch>
-        </p:blipFill>
-        <p:spPr>
-          <a:xfrm>
-            <a:off x="1559641" y="1559641"/>
-            <a:ext cx="690717" cy="690717"/>
+            <a:off x="861023" y="1078701"/>
+            <a:ext cx="2087954" cy="2478507"/>
           </a:xfrm>
           <a:prstGeom prst="rect">
             <a:avLst/>
@@ -4147,7 +4297,7 @@
     </p:spTree>
     <p:extLst>
       <p:ext uri="{BB962C8B-B14F-4D97-AF65-F5344CB8AC3E}">
-        <p14:creationId xmlns:p14="http://schemas.microsoft.com/office/powerpoint/2010/main" val="1508621249"/>
+        <p14:creationId xmlns:p14="http://schemas.microsoft.com/office/powerpoint/2010/main" val="93488881"/>
       </p:ext>
     </p:extLst>
   </p:cSld>
@@ -4260,15 +4410,16 @@
           <p:nvPr/>
         </p:nvPicPr>
         <p:blipFill>
-          <a:blip r:embed="rId6">
+          <a:blip r:embed="rId4">
             <a:extLst>
               <a:ext uri="{96DAC541-7B7A-43D3-8B79-37D633B846F1}">
-                <asvg:svgBlip xmlns:asvg="http://schemas.microsoft.com/office/drawing/2016/SVG/main" r:embed="rId7"/>
+                <asvg:svgBlip xmlns:asvg="http://schemas.microsoft.com/office/drawing/2016/SVG/main" r:embed="rId5"/>
               </a:ext>
             </a:extLst>
           </a:blip>
-          <a:srcRect/>
-          <a:stretch/>
+          <a:stretch>
+            <a:fillRect/>
+          </a:stretch>
         </p:blipFill>
         <p:spPr>
           <a:xfrm>
@@ -4280,46 +4431,10 @@
           </a:prstGeom>
         </p:spPr>
       </p:pic>
-      <p:pic>
-        <p:nvPicPr>
-          <p:cNvPr id="10" name="Grafik 9">
-            <a:extLst>
-              <a:ext uri="{FF2B5EF4-FFF2-40B4-BE49-F238E27FC236}">
-                <a16:creationId xmlns:a16="http://schemas.microsoft.com/office/drawing/2014/main" id="{F660D2B1-595A-64A1-DB08-6489BA50EFE4}"/>
-              </a:ext>
-            </a:extLst>
-          </p:cNvPr>
-          <p:cNvPicPr>
-            <a:picLocks noChangeAspect="1"/>
-          </p:cNvPicPr>
-          <p:nvPr/>
-        </p:nvPicPr>
-        <p:blipFill>
-          <a:blip r:embed="rId6">
-            <a:extLst>
-              <a:ext uri="{96DAC541-7B7A-43D3-8B79-37D633B846F1}">
-                <asvg:svgBlip xmlns:asvg="http://schemas.microsoft.com/office/drawing/2016/SVG/main" r:embed="rId7"/>
-              </a:ext>
-            </a:extLst>
-          </a:blip>
-          <a:stretch>
-            <a:fillRect/>
-          </a:stretch>
-        </p:blipFill>
-        <p:spPr>
-          <a:xfrm>
-            <a:off x="5981700" y="3314700"/>
-            <a:ext cx="228600" cy="228600"/>
-          </a:xfrm>
-          <a:prstGeom prst="rect">
-            <a:avLst/>
-          </a:prstGeom>
-        </p:spPr>
-      </p:pic>
     </p:spTree>
     <p:extLst>
       <p:ext uri="{BB962C8B-B14F-4D97-AF65-F5344CB8AC3E}">
-        <p14:creationId xmlns:p14="http://schemas.microsoft.com/office/powerpoint/2010/main" val="2053301316"/>
+        <p14:creationId xmlns:p14="http://schemas.microsoft.com/office/powerpoint/2010/main" val="1508621249"/>
       </p:ext>
     </p:extLst>
   </p:cSld>
@@ -4383,10 +4498,10 @@
       </p:pic>
       <p:pic>
         <p:nvPicPr>
-          <p:cNvPr id="7" name="Grafik 6" descr="Ein Bild, das Text, Schrift, Screenshot, Logo enthält.&#10;&#10;Automatisch generierte Beschreibung">
-            <a:extLst>
-              <a:ext uri="{FF2B5EF4-FFF2-40B4-BE49-F238E27FC236}">
-                <a16:creationId xmlns:a16="http://schemas.microsoft.com/office/drawing/2014/main" id="{D34664A2-86CE-5C2C-EA61-7F19D487B9F8}"/>
+          <p:cNvPr id="3" name="Grafik 2">
+            <a:extLst>
+              <a:ext uri="{FF2B5EF4-FFF2-40B4-BE49-F238E27FC236}">
+                <a16:creationId xmlns:a16="http://schemas.microsoft.com/office/drawing/2014/main" id="{847429C9-CBD9-976F-FE53-8E74E4FD0852}"/>
               </a:ext>
             </a:extLst>
           </p:cNvPr>
@@ -4398,8 +4513,8 @@
         <p:blipFill>
           <a:blip r:embed="rId4">
             <a:extLst>
-              <a:ext uri="{28A0092B-C50C-407E-A947-70E740481C1C}">
-                <a14:useLocalDpi xmlns:a14="http://schemas.microsoft.com/office/drawing/2010/main" val="0"/>
+              <a:ext uri="{96DAC541-7B7A-43D3-8B79-37D633B846F1}">
+                <asvg:svgBlip xmlns:asvg="http://schemas.microsoft.com/office/drawing/2016/SVG/main" r:embed="rId5"/>
               </a:ext>
             </a:extLst>
           </a:blip>
@@ -4409,27 +4524,20 @@
         </p:blipFill>
         <p:spPr>
           <a:xfrm>
-            <a:off x="659701" y="2184860"/>
-            <a:ext cx="2495692" cy="841639"/>
+            <a:off x="5981700" y="3314700"/>
+            <a:ext cx="228600" cy="228600"/>
           </a:xfrm>
           <a:prstGeom prst="rect">
             <a:avLst/>
           </a:prstGeom>
-          <a:effectLst>
-            <a:outerShdw blurRad="63500" sx="102000" sy="102000" algn="ctr" rotWithShape="0">
-              <a:prstClr val="black">
-                <a:alpha val="40000"/>
-              </a:prstClr>
-            </a:outerShdw>
-          </a:effectLst>
         </p:spPr>
       </p:pic>
       <p:pic>
         <p:nvPicPr>
-          <p:cNvPr id="3" name="Grafik 2" descr="Ein Bild, das Text, Screenshot, Person enthält.&#10;&#10;Automatisch generierte Beschreibung">
-            <a:extLst>
-              <a:ext uri="{FF2B5EF4-FFF2-40B4-BE49-F238E27FC236}">
-                <a16:creationId xmlns:a16="http://schemas.microsoft.com/office/drawing/2014/main" id="{7F7F630F-B3AA-5227-33D7-8DB82626374E}"/>
+          <p:cNvPr id="6" name="Grafik 5">
+            <a:extLst>
+              <a:ext uri="{FF2B5EF4-FFF2-40B4-BE49-F238E27FC236}">
+                <a16:creationId xmlns:a16="http://schemas.microsoft.com/office/drawing/2014/main" id="{47CFF316-3EEB-4E1C-4FC2-B6540BADAC89}"/>
               </a:ext>
             </a:extLst>
           </p:cNvPr>
@@ -4438,21 +4546,57 @@
           </p:cNvPicPr>
           <p:nvPr/>
         </p:nvPicPr>
-        <p:blipFill rotWithShape="1">
-          <a:blip r:embed="rId5">
-            <a:extLst>
-              <a:ext uri="{28A0092B-C50C-407E-A947-70E740481C1C}">
-                <a14:useLocalDpi xmlns:a14="http://schemas.microsoft.com/office/drawing/2010/main" val="0"/>
+        <p:blipFill>
+          <a:blip r:embed="rId6">
+            <a:extLst>
+              <a:ext uri="{96DAC541-7B7A-43D3-8B79-37D633B846F1}">
+                <asvg:svgBlip xmlns:asvg="http://schemas.microsoft.com/office/drawing/2016/SVG/main" r:embed="rId7"/>
               </a:ext>
             </a:extLst>
           </a:blip>
-          <a:srcRect t="-19474" r="33004" b="23210"/>
+          <a:srcRect/>
           <a:stretch/>
         </p:blipFill>
         <p:spPr>
           <a:xfrm>
-            <a:off x="268518" y="344729"/>
-            <a:ext cx="3541482" cy="3465271"/>
+            <a:off x="1559641" y="1559641"/>
+            <a:ext cx="690717" cy="690717"/>
+          </a:xfrm>
+          <a:prstGeom prst="rect">
+            <a:avLst/>
+          </a:prstGeom>
+        </p:spPr>
+      </p:pic>
+      <p:pic>
+        <p:nvPicPr>
+          <p:cNvPr id="10" name="Grafik 9">
+            <a:extLst>
+              <a:ext uri="{FF2B5EF4-FFF2-40B4-BE49-F238E27FC236}">
+                <a16:creationId xmlns:a16="http://schemas.microsoft.com/office/drawing/2014/main" id="{F660D2B1-595A-64A1-DB08-6489BA50EFE4}"/>
+              </a:ext>
+            </a:extLst>
+          </p:cNvPr>
+          <p:cNvPicPr>
+            <a:picLocks noChangeAspect="1"/>
+          </p:cNvPicPr>
+          <p:nvPr/>
+        </p:nvPicPr>
+        <p:blipFill>
+          <a:blip r:embed="rId6">
+            <a:extLst>
+              <a:ext uri="{96DAC541-7B7A-43D3-8B79-37D633B846F1}">
+                <asvg:svgBlip xmlns:asvg="http://schemas.microsoft.com/office/drawing/2016/SVG/main" r:embed="rId7"/>
+              </a:ext>
+            </a:extLst>
+          </a:blip>
+          <a:stretch>
+            <a:fillRect/>
+          </a:stretch>
+        </p:blipFill>
+        <p:spPr>
+          <a:xfrm>
+            <a:off x="5981700" y="3314700"/>
+            <a:ext cx="228600" cy="228600"/>
           </a:xfrm>
           <a:prstGeom prst="rect">
             <a:avLst/>
@@ -4462,7 +4606,7 @@
     </p:spTree>
     <p:extLst>
       <p:ext uri="{BB962C8B-B14F-4D97-AF65-F5344CB8AC3E}">
-        <p14:creationId xmlns:p14="http://schemas.microsoft.com/office/powerpoint/2010/main" val="644209843"/>
+        <p14:creationId xmlns:p14="http://schemas.microsoft.com/office/powerpoint/2010/main" val="2053301316"/>
       </p:ext>
     </p:extLst>
   </p:cSld>

--- a/style_guide.pptx
+++ b/style_guide.pptx
@@ -7,15 +7,16 @@
   <p:sldIdLst>
     <p:sldId id="256" r:id="rId2"/>
     <p:sldId id="268" r:id="rId3"/>
-    <p:sldId id="263" r:id="rId4"/>
-    <p:sldId id="265" r:id="rId5"/>
-    <p:sldId id="266" r:id="rId6"/>
-    <p:sldId id="267" r:id="rId7"/>
-    <p:sldId id="264" r:id="rId8"/>
-    <p:sldId id="260" r:id="rId9"/>
-    <p:sldId id="262" r:id="rId10"/>
-    <p:sldId id="259" r:id="rId11"/>
-    <p:sldId id="261" r:id="rId12"/>
+    <p:sldId id="269" r:id="rId4"/>
+    <p:sldId id="263" r:id="rId5"/>
+    <p:sldId id="265" r:id="rId6"/>
+    <p:sldId id="266" r:id="rId7"/>
+    <p:sldId id="267" r:id="rId8"/>
+    <p:sldId id="264" r:id="rId9"/>
+    <p:sldId id="260" r:id="rId10"/>
+    <p:sldId id="262" r:id="rId11"/>
+    <p:sldId id="259" r:id="rId12"/>
+    <p:sldId id="261" r:id="rId13"/>
   </p:sldIdLst>
   <p:sldSz cx="12192000" cy="6858000"/>
   <p:notesSz cx="6858000" cy="9144000"/>
@@ -3414,6 +3415,78 @@
           </a:effectLst>
         </p:spPr>
       </p:pic>
+      <p:pic>
+        <p:nvPicPr>
+          <p:cNvPr id="3" name="Grafik 2">
+            <a:extLst>
+              <a:ext uri="{FF2B5EF4-FFF2-40B4-BE49-F238E27FC236}">
+                <a16:creationId xmlns:a16="http://schemas.microsoft.com/office/drawing/2014/main" id="{673EDBA5-46A8-19EE-3209-8833368F092D}"/>
+              </a:ext>
+            </a:extLst>
+          </p:cNvPr>
+          <p:cNvPicPr>
+            <a:picLocks noChangeAspect="1"/>
+          </p:cNvPicPr>
+          <p:nvPr/>
+        </p:nvPicPr>
+        <p:blipFill>
+          <a:blip r:embed="rId5">
+            <a:extLst>
+              <a:ext uri="{96DAC541-7B7A-43D3-8B79-37D633B846F1}">
+                <asvg:svgBlip xmlns:asvg="http://schemas.microsoft.com/office/drawing/2016/SVG/main" r:embed="rId6"/>
+              </a:ext>
+            </a:extLst>
+          </a:blip>
+          <a:stretch>
+            <a:fillRect/>
+          </a:stretch>
+        </p:blipFill>
+        <p:spPr>
+          <a:xfrm>
+            <a:off x="5981700" y="3314700"/>
+            <a:ext cx="228600" cy="228600"/>
+          </a:xfrm>
+          <a:prstGeom prst="rect">
+            <a:avLst/>
+          </a:prstGeom>
+        </p:spPr>
+      </p:pic>
+      <p:pic>
+        <p:nvPicPr>
+          <p:cNvPr id="6" name="Grafik 5">
+            <a:extLst>
+              <a:ext uri="{FF2B5EF4-FFF2-40B4-BE49-F238E27FC236}">
+                <a16:creationId xmlns:a16="http://schemas.microsoft.com/office/drawing/2014/main" id="{4B2E458A-8A24-559A-79F4-EC3F4847714C}"/>
+              </a:ext>
+            </a:extLst>
+          </p:cNvPr>
+          <p:cNvPicPr>
+            <a:picLocks noChangeAspect="1"/>
+          </p:cNvPicPr>
+          <p:nvPr/>
+        </p:nvPicPr>
+        <p:blipFill>
+          <a:blip r:embed="rId5">
+            <a:extLst>
+              <a:ext uri="{96DAC541-7B7A-43D3-8B79-37D633B846F1}">
+                <asvg:svgBlip xmlns:asvg="http://schemas.microsoft.com/office/drawing/2016/SVG/main" r:embed="rId6"/>
+              </a:ext>
+            </a:extLst>
+          </a:blip>
+          <a:stretch>
+            <a:fillRect/>
+          </a:stretch>
+        </p:blipFill>
+        <p:spPr>
+          <a:xfrm>
+            <a:off x="5981700" y="3314700"/>
+            <a:ext cx="228600" cy="228600"/>
+          </a:xfrm>
+          <a:prstGeom prst="rect">
+            <a:avLst/>
+          </a:prstGeom>
+        </p:spPr>
+      </p:pic>
     </p:spTree>
     <p:extLst>
       <p:ext uri="{BB962C8B-B14F-4D97-AF65-F5344CB8AC3E}">
@@ -3481,6 +3554,178 @@
       </p:pic>
       <p:pic>
         <p:nvPicPr>
+          <p:cNvPr id="3" name="Grafik 2">
+            <a:extLst>
+              <a:ext uri="{FF2B5EF4-FFF2-40B4-BE49-F238E27FC236}">
+                <a16:creationId xmlns:a16="http://schemas.microsoft.com/office/drawing/2014/main" id="{847429C9-CBD9-976F-FE53-8E74E4FD0852}"/>
+              </a:ext>
+            </a:extLst>
+          </p:cNvPr>
+          <p:cNvPicPr>
+            <a:picLocks noChangeAspect="1"/>
+          </p:cNvPicPr>
+          <p:nvPr/>
+        </p:nvPicPr>
+        <p:blipFill>
+          <a:blip r:embed="rId4">
+            <a:extLst>
+              <a:ext uri="{96DAC541-7B7A-43D3-8B79-37D633B846F1}">
+                <asvg:svgBlip xmlns:asvg="http://schemas.microsoft.com/office/drawing/2016/SVG/main" r:embed="rId5"/>
+              </a:ext>
+            </a:extLst>
+          </a:blip>
+          <a:stretch>
+            <a:fillRect/>
+          </a:stretch>
+        </p:blipFill>
+        <p:spPr>
+          <a:xfrm>
+            <a:off x="5981700" y="3314700"/>
+            <a:ext cx="228600" cy="228600"/>
+          </a:xfrm>
+          <a:prstGeom prst="rect">
+            <a:avLst/>
+          </a:prstGeom>
+        </p:spPr>
+      </p:pic>
+      <p:pic>
+        <p:nvPicPr>
+          <p:cNvPr id="6" name="Grafik 5">
+            <a:extLst>
+              <a:ext uri="{FF2B5EF4-FFF2-40B4-BE49-F238E27FC236}">
+                <a16:creationId xmlns:a16="http://schemas.microsoft.com/office/drawing/2014/main" id="{47CFF316-3EEB-4E1C-4FC2-B6540BADAC89}"/>
+              </a:ext>
+            </a:extLst>
+          </p:cNvPr>
+          <p:cNvPicPr>
+            <a:picLocks noChangeAspect="1"/>
+          </p:cNvPicPr>
+          <p:nvPr/>
+        </p:nvPicPr>
+        <p:blipFill>
+          <a:blip r:embed="rId6">
+            <a:extLst>
+              <a:ext uri="{96DAC541-7B7A-43D3-8B79-37D633B846F1}">
+                <asvg:svgBlip xmlns:asvg="http://schemas.microsoft.com/office/drawing/2016/SVG/main" r:embed="rId7"/>
+              </a:ext>
+            </a:extLst>
+          </a:blip>
+          <a:srcRect/>
+          <a:stretch/>
+        </p:blipFill>
+        <p:spPr>
+          <a:xfrm>
+            <a:off x="1559641" y="1559641"/>
+            <a:ext cx="690717" cy="690717"/>
+          </a:xfrm>
+          <a:prstGeom prst="rect">
+            <a:avLst/>
+          </a:prstGeom>
+        </p:spPr>
+      </p:pic>
+      <p:pic>
+        <p:nvPicPr>
+          <p:cNvPr id="10" name="Grafik 9">
+            <a:extLst>
+              <a:ext uri="{FF2B5EF4-FFF2-40B4-BE49-F238E27FC236}">
+                <a16:creationId xmlns:a16="http://schemas.microsoft.com/office/drawing/2014/main" id="{F660D2B1-595A-64A1-DB08-6489BA50EFE4}"/>
+              </a:ext>
+            </a:extLst>
+          </p:cNvPr>
+          <p:cNvPicPr>
+            <a:picLocks noChangeAspect="1"/>
+          </p:cNvPicPr>
+          <p:nvPr/>
+        </p:nvPicPr>
+        <p:blipFill>
+          <a:blip r:embed="rId6">
+            <a:extLst>
+              <a:ext uri="{96DAC541-7B7A-43D3-8B79-37D633B846F1}">
+                <asvg:svgBlip xmlns:asvg="http://schemas.microsoft.com/office/drawing/2016/SVG/main" r:embed="rId7"/>
+              </a:ext>
+            </a:extLst>
+          </a:blip>
+          <a:stretch>
+            <a:fillRect/>
+          </a:stretch>
+        </p:blipFill>
+        <p:spPr>
+          <a:xfrm>
+            <a:off x="5981700" y="3314700"/>
+            <a:ext cx="228600" cy="228600"/>
+          </a:xfrm>
+          <a:prstGeom prst="rect">
+            <a:avLst/>
+          </a:prstGeom>
+        </p:spPr>
+      </p:pic>
+    </p:spTree>
+    <p:extLst>
+      <p:ext uri="{BB962C8B-B14F-4D97-AF65-F5344CB8AC3E}">
+        <p14:creationId xmlns:p14="http://schemas.microsoft.com/office/powerpoint/2010/main" val="2053301316"/>
+      </p:ext>
+    </p:extLst>
+  </p:cSld>
+  <p:clrMapOvr>
+    <a:masterClrMapping/>
+  </p:clrMapOvr>
+</p:sld>
+</file>
+
+<file path=ppt/slides/slide11.xml><?xml version="1.0" encoding="utf-8"?>
+<p:sld xmlns:a="http://schemas.openxmlformats.org/drawingml/2006/main" xmlns:r="http://schemas.openxmlformats.org/officeDocument/2006/relationships" xmlns:p="http://schemas.openxmlformats.org/presentationml/2006/main">
+  <p:cSld>
+    <p:spTree>
+      <p:nvGrpSpPr>
+        <p:cNvPr id="1" name=""/>
+        <p:cNvGrpSpPr/>
+        <p:nvPr/>
+      </p:nvGrpSpPr>
+      <p:grpSpPr>
+        <a:xfrm>
+          <a:off x="0" y="0"/>
+          <a:ext cx="0" cy="0"/>
+          <a:chOff x="0" y="0"/>
+          <a:chExt cx="0" cy="0"/>
+        </a:xfrm>
+      </p:grpSpPr>
+      <p:pic>
+        <p:nvPicPr>
+          <p:cNvPr id="5" name="Grafik 4">
+            <a:extLst>
+              <a:ext uri="{FF2B5EF4-FFF2-40B4-BE49-F238E27FC236}">
+                <a16:creationId xmlns:a16="http://schemas.microsoft.com/office/drawing/2014/main" id="{A8F13007-E84E-4430-6FFF-C6E15D9AB7ED}"/>
+              </a:ext>
+            </a:extLst>
+          </p:cNvPr>
+          <p:cNvPicPr>
+            <a:picLocks noChangeAspect="1"/>
+          </p:cNvPicPr>
+          <p:nvPr/>
+        </p:nvPicPr>
+        <p:blipFill>
+          <a:blip r:embed="rId2">
+            <a:extLst>
+              <a:ext uri="{96DAC541-7B7A-43D3-8B79-37D633B846F1}">
+                <asvg:svgBlip xmlns:asvg="http://schemas.microsoft.com/office/drawing/2016/SVG/main" r:embed="rId3"/>
+              </a:ext>
+            </a:extLst>
+          </a:blip>
+          <a:srcRect/>
+          <a:stretch/>
+        </p:blipFill>
+        <p:spPr>
+          <a:xfrm>
+            <a:off x="0" y="0"/>
+            <a:ext cx="3810000" cy="3810000"/>
+          </a:xfrm>
+          <a:prstGeom prst="rect">
+            <a:avLst/>
+          </a:prstGeom>
+        </p:spPr>
+      </p:pic>
+      <p:pic>
+        <p:nvPicPr>
           <p:cNvPr id="7" name="Grafik 6" descr="Ein Bild, das Text, Schrift, Screenshot, Logo enthält.&#10;&#10;Automatisch generierte Beschreibung">
             <a:extLst>
               <a:ext uri="{FF2B5EF4-FFF2-40B4-BE49-F238E27FC236}">
@@ -3570,7 +3815,7 @@
 </p:sld>
 </file>
 
-<file path=ppt/slides/slide11.xml><?xml version="1.0" encoding="utf-8"?>
+<file path=ppt/slides/slide12.xml><?xml version="1.0" encoding="utf-8"?>
 <p:sld xmlns:a="http://schemas.openxmlformats.org/drawingml/2006/main" xmlns:r="http://schemas.openxmlformats.org/officeDocument/2006/relationships" xmlns:p="http://schemas.openxmlformats.org/presentationml/2006/main">
   <p:cSld>
     <p:spTree>
@@ -3847,8 +4092,8 @@
         <p:blipFill>
           <a:blip r:embed="rId4">
             <a:extLst>
-              <a:ext uri="{28A0092B-C50C-407E-A947-70E740481C1C}">
-                <a14:useLocalDpi xmlns:a14="http://schemas.microsoft.com/office/drawing/2010/main" val="0"/>
+              <a:ext uri="{96DAC541-7B7A-43D3-8B79-37D633B846F1}">
+                <asvg:svgBlip xmlns:asvg="http://schemas.microsoft.com/office/drawing/2016/SVG/main" r:embed="rId5"/>
               </a:ext>
             </a:extLst>
           </a:blip>
@@ -3857,8 +4102,8 @@
         </p:blipFill>
         <p:spPr>
           <a:xfrm>
-            <a:off x="659702" y="1615691"/>
-            <a:ext cx="2495692" cy="577896"/>
+            <a:off x="1486728" y="1483820"/>
+            <a:ext cx="841639" cy="841639"/>
           </a:xfrm>
           <a:prstGeom prst="rect">
             <a:avLst/>
@@ -3872,10 +4117,46 @@
           </a:effectLst>
         </p:spPr>
       </p:pic>
+      <p:pic>
+        <p:nvPicPr>
+          <p:cNvPr id="3" name="Grafik 2">
+            <a:extLst>
+              <a:ext uri="{FF2B5EF4-FFF2-40B4-BE49-F238E27FC236}">
+                <a16:creationId xmlns:a16="http://schemas.microsoft.com/office/drawing/2014/main" id="{56DF2C53-B230-FC33-3785-3030C8341724}"/>
+              </a:ext>
+            </a:extLst>
+          </p:cNvPr>
+          <p:cNvPicPr>
+            <a:picLocks noChangeAspect="1"/>
+          </p:cNvPicPr>
+          <p:nvPr/>
+        </p:nvPicPr>
+        <p:blipFill>
+          <a:blip r:embed="rId6">
+            <a:extLst>
+              <a:ext uri="{96DAC541-7B7A-43D3-8B79-37D633B846F1}">
+                <asvg:svgBlip xmlns:asvg="http://schemas.microsoft.com/office/drawing/2016/SVG/main" r:embed="rId7"/>
+              </a:ext>
+            </a:extLst>
+          </a:blip>
+          <a:stretch>
+            <a:fillRect/>
+          </a:stretch>
+        </p:blipFill>
+        <p:spPr>
+          <a:xfrm>
+            <a:off x="5981699" y="3314699"/>
+            <a:ext cx="827809" cy="827809"/>
+          </a:xfrm>
+          <a:prstGeom prst="rect">
+            <a:avLst/>
+          </a:prstGeom>
+        </p:spPr>
+      </p:pic>
     </p:spTree>
     <p:extLst>
       <p:ext uri="{BB962C8B-B14F-4D97-AF65-F5344CB8AC3E}">
-        <p14:creationId xmlns:p14="http://schemas.microsoft.com/office/powerpoint/2010/main" val="2347355375"/>
+        <p14:creationId xmlns:p14="http://schemas.microsoft.com/office/powerpoint/2010/main" val="443542668"/>
       </p:ext>
     </p:extLst>
   </p:cSld>
@@ -3964,8 +4245,8 @@
         </p:blipFill>
         <p:spPr>
           <a:xfrm>
-            <a:off x="659702" y="1618594"/>
-            <a:ext cx="2495692" cy="572089"/>
+            <a:off x="659702" y="1615691"/>
+            <a:ext cx="2495692" cy="577896"/>
           </a:xfrm>
           <a:prstGeom prst="rect">
             <a:avLst/>
@@ -3982,7 +4263,7 @@
     </p:spTree>
     <p:extLst>
       <p:ext uri="{BB962C8B-B14F-4D97-AF65-F5344CB8AC3E}">
-        <p14:creationId xmlns:p14="http://schemas.microsoft.com/office/powerpoint/2010/main" val="2022601403"/>
+        <p14:creationId xmlns:p14="http://schemas.microsoft.com/office/powerpoint/2010/main" val="2347355375"/>
       </p:ext>
     </p:extLst>
   </p:cSld>
@@ -4071,8 +4352,8 @@
         </p:blipFill>
         <p:spPr>
           <a:xfrm>
-            <a:off x="780080" y="1418897"/>
-            <a:ext cx="2249839" cy="972206"/>
+            <a:off x="659702" y="1618594"/>
+            <a:ext cx="2495692" cy="572089"/>
           </a:xfrm>
           <a:prstGeom prst="rect">
             <a:avLst/>
@@ -4089,7 +4370,7 @@
     </p:spTree>
     <p:extLst>
       <p:ext uri="{BB962C8B-B14F-4D97-AF65-F5344CB8AC3E}">
-        <p14:creationId xmlns:p14="http://schemas.microsoft.com/office/powerpoint/2010/main" val="1542140265"/>
+        <p14:creationId xmlns:p14="http://schemas.microsoft.com/office/powerpoint/2010/main" val="2022601403"/>
       </p:ext>
     </p:extLst>
   </p:cSld>
@@ -4178,8 +4459,8 @@
         </p:blipFill>
         <p:spPr>
           <a:xfrm>
-            <a:off x="780080" y="1461628"/>
-            <a:ext cx="2249839" cy="886744"/>
+            <a:off x="780080" y="1418897"/>
+            <a:ext cx="2249839" cy="972206"/>
           </a:xfrm>
           <a:prstGeom prst="rect">
             <a:avLst/>
@@ -4196,7 +4477,7 @@
     </p:spTree>
     <p:extLst>
       <p:ext uri="{BB962C8B-B14F-4D97-AF65-F5344CB8AC3E}">
-        <p14:creationId xmlns:p14="http://schemas.microsoft.com/office/powerpoint/2010/main" val="3323257888"/>
+        <p14:creationId xmlns:p14="http://schemas.microsoft.com/office/powerpoint/2010/main" val="1542140265"/>
       </p:ext>
     </p:extLst>
   </p:cSld>
@@ -4260,10 +4541,10 @@
       </p:pic>
       <p:pic>
         <p:nvPicPr>
-          <p:cNvPr id="3" name="Grafik 2" descr="Ein Bild, das Text, Screenshot, Zahl, Schrift enthält.&#10;&#10;Automatisch generierte Beschreibung">
-            <a:extLst>
-              <a:ext uri="{FF2B5EF4-FFF2-40B4-BE49-F238E27FC236}">
-                <a16:creationId xmlns:a16="http://schemas.microsoft.com/office/drawing/2014/main" id="{BAC0BC09-BA3A-C25D-451C-3CA2CCB24666}"/>
+          <p:cNvPr id="7" name="Grafik 6">
+            <a:extLst>
+              <a:ext uri="{FF2B5EF4-FFF2-40B4-BE49-F238E27FC236}">
+                <a16:creationId xmlns:a16="http://schemas.microsoft.com/office/drawing/2014/main" id="{D34664A2-86CE-5C2C-EA61-7F19D487B9F8}"/>
               </a:ext>
             </a:extLst>
           </p:cNvPr>
@@ -4280,24 +4561,30 @@
               </a:ext>
             </a:extLst>
           </a:blip>
-          <a:stretch>
-            <a:fillRect/>
-          </a:stretch>
+          <a:srcRect/>
+          <a:stretch/>
         </p:blipFill>
         <p:spPr>
           <a:xfrm>
-            <a:off x="861023" y="1078701"/>
-            <a:ext cx="2087954" cy="2478507"/>
+            <a:off x="780080" y="1461628"/>
+            <a:ext cx="2249839" cy="886744"/>
           </a:xfrm>
           <a:prstGeom prst="rect">
             <a:avLst/>
           </a:prstGeom>
+          <a:effectLst>
+            <a:outerShdw blurRad="63500" sx="102000" sy="102000" algn="ctr" rotWithShape="0">
+              <a:prstClr val="black">
+                <a:alpha val="40000"/>
+              </a:prstClr>
+            </a:outerShdw>
+          </a:effectLst>
         </p:spPr>
       </p:pic>
     </p:spTree>
     <p:extLst>
       <p:ext uri="{BB962C8B-B14F-4D97-AF65-F5344CB8AC3E}">
-        <p14:creationId xmlns:p14="http://schemas.microsoft.com/office/powerpoint/2010/main" val="93488881"/>
+        <p14:creationId xmlns:p14="http://schemas.microsoft.com/office/powerpoint/2010/main" val="3323257888"/>
       </p:ext>
     </p:extLst>
   </p:cSld>
@@ -4361,10 +4648,10 @@
       </p:pic>
       <p:pic>
         <p:nvPicPr>
-          <p:cNvPr id="3" name="Grafik 2">
-            <a:extLst>
-              <a:ext uri="{FF2B5EF4-FFF2-40B4-BE49-F238E27FC236}">
-                <a16:creationId xmlns:a16="http://schemas.microsoft.com/office/drawing/2014/main" id="{847429C9-CBD9-976F-FE53-8E74E4FD0852}"/>
+          <p:cNvPr id="3" name="Grafik 2" descr="Ein Bild, das Text, Screenshot, Zahl, Schrift enthält.&#10;&#10;Automatisch generierte Beschreibung">
+            <a:extLst>
+              <a:ext uri="{FF2B5EF4-FFF2-40B4-BE49-F238E27FC236}">
+                <a16:creationId xmlns:a16="http://schemas.microsoft.com/office/drawing/2014/main" id="{BAC0BC09-BA3A-C25D-451C-3CA2CCB24666}"/>
               </a:ext>
             </a:extLst>
           </p:cNvPr>
@@ -4376,8 +4663,8 @@
         <p:blipFill>
           <a:blip r:embed="rId4">
             <a:extLst>
-              <a:ext uri="{96DAC541-7B7A-43D3-8B79-37D633B846F1}">
-                <asvg:svgBlip xmlns:asvg="http://schemas.microsoft.com/office/drawing/2016/SVG/main" r:embed="rId5"/>
+              <a:ext uri="{28A0092B-C50C-407E-A947-70E740481C1C}">
+                <a14:useLocalDpi xmlns:a14="http://schemas.microsoft.com/office/drawing/2010/main" val="0"/>
               </a:ext>
             </a:extLst>
           </a:blip>
@@ -4387,44 +4674,8 @@
         </p:blipFill>
         <p:spPr>
           <a:xfrm>
-            <a:off x="5981700" y="3314700"/>
-            <a:ext cx="228600" cy="228600"/>
-          </a:xfrm>
-          <a:prstGeom prst="rect">
-            <a:avLst/>
-          </a:prstGeom>
-        </p:spPr>
-      </p:pic>
-      <p:pic>
-        <p:nvPicPr>
-          <p:cNvPr id="6" name="Grafik 5">
-            <a:extLst>
-              <a:ext uri="{FF2B5EF4-FFF2-40B4-BE49-F238E27FC236}">
-                <a16:creationId xmlns:a16="http://schemas.microsoft.com/office/drawing/2014/main" id="{47CFF316-3EEB-4E1C-4FC2-B6540BADAC89}"/>
-              </a:ext>
-            </a:extLst>
-          </p:cNvPr>
-          <p:cNvPicPr>
-            <a:picLocks noChangeAspect="1"/>
-          </p:cNvPicPr>
-          <p:nvPr/>
-        </p:nvPicPr>
-        <p:blipFill>
-          <a:blip r:embed="rId4">
-            <a:extLst>
-              <a:ext uri="{96DAC541-7B7A-43D3-8B79-37D633B846F1}">
-                <asvg:svgBlip xmlns:asvg="http://schemas.microsoft.com/office/drawing/2016/SVG/main" r:embed="rId5"/>
-              </a:ext>
-            </a:extLst>
-          </a:blip>
-          <a:stretch>
-            <a:fillRect/>
-          </a:stretch>
-        </p:blipFill>
-        <p:spPr>
-          <a:xfrm>
-            <a:off x="1559641" y="1559641"/>
-            <a:ext cx="690717" cy="690717"/>
+            <a:off x="861023" y="1078701"/>
+            <a:ext cx="2087954" cy="2478507"/>
           </a:xfrm>
           <a:prstGeom prst="rect">
             <a:avLst/>
@@ -4434,7 +4685,7 @@
     </p:spTree>
     <p:extLst>
       <p:ext uri="{BB962C8B-B14F-4D97-AF65-F5344CB8AC3E}">
-        <p14:creationId xmlns:p14="http://schemas.microsoft.com/office/powerpoint/2010/main" val="1508621249"/>
+        <p14:creationId xmlns:p14="http://schemas.microsoft.com/office/powerpoint/2010/main" val="93488881"/>
       </p:ext>
     </p:extLst>
   </p:cSld>
@@ -4547,45 +4798,10 @@
           <p:nvPr/>
         </p:nvPicPr>
         <p:blipFill>
-          <a:blip r:embed="rId6">
+          <a:blip r:embed="rId4">
             <a:extLst>
               <a:ext uri="{96DAC541-7B7A-43D3-8B79-37D633B846F1}">
-                <asvg:svgBlip xmlns:asvg="http://schemas.microsoft.com/office/drawing/2016/SVG/main" r:embed="rId7"/>
-              </a:ext>
-            </a:extLst>
-          </a:blip>
-          <a:srcRect/>
-          <a:stretch/>
-        </p:blipFill>
-        <p:spPr>
-          <a:xfrm>
-            <a:off x="1559641" y="1559641"/>
-            <a:ext cx="690717" cy="690717"/>
-          </a:xfrm>
-          <a:prstGeom prst="rect">
-            <a:avLst/>
-          </a:prstGeom>
-        </p:spPr>
-      </p:pic>
-      <p:pic>
-        <p:nvPicPr>
-          <p:cNvPr id="10" name="Grafik 9">
-            <a:extLst>
-              <a:ext uri="{FF2B5EF4-FFF2-40B4-BE49-F238E27FC236}">
-                <a16:creationId xmlns:a16="http://schemas.microsoft.com/office/drawing/2014/main" id="{F660D2B1-595A-64A1-DB08-6489BA50EFE4}"/>
-              </a:ext>
-            </a:extLst>
-          </p:cNvPr>
-          <p:cNvPicPr>
-            <a:picLocks noChangeAspect="1"/>
-          </p:cNvPicPr>
-          <p:nvPr/>
-        </p:nvPicPr>
-        <p:blipFill>
-          <a:blip r:embed="rId6">
-            <a:extLst>
-              <a:ext uri="{96DAC541-7B7A-43D3-8B79-37D633B846F1}">
-                <asvg:svgBlip xmlns:asvg="http://schemas.microsoft.com/office/drawing/2016/SVG/main" r:embed="rId7"/>
+                <asvg:svgBlip xmlns:asvg="http://schemas.microsoft.com/office/drawing/2016/SVG/main" r:embed="rId5"/>
               </a:ext>
             </a:extLst>
           </a:blip>
@@ -4595,8 +4811,8 @@
         </p:blipFill>
         <p:spPr>
           <a:xfrm>
-            <a:off x="5981700" y="3314700"/>
-            <a:ext cx="228600" cy="228600"/>
+            <a:off x="1559641" y="1559641"/>
+            <a:ext cx="690717" cy="690717"/>
           </a:xfrm>
           <a:prstGeom prst="rect">
             <a:avLst/>
@@ -4606,7 +4822,7 @@
     </p:spTree>
     <p:extLst>
       <p:ext uri="{BB962C8B-B14F-4D97-AF65-F5344CB8AC3E}">
-        <p14:creationId xmlns:p14="http://schemas.microsoft.com/office/powerpoint/2010/main" val="2053301316"/>
+        <p14:creationId xmlns:p14="http://schemas.microsoft.com/office/powerpoint/2010/main" val="1508621249"/>
       </p:ext>
     </p:extLst>
   </p:cSld>

--- a/style_guide.pptx
+++ b/style_guide.pptx
@@ -15,8 +15,9 @@
     <p:sldId id="264" r:id="rId9"/>
     <p:sldId id="260" r:id="rId10"/>
     <p:sldId id="262" r:id="rId11"/>
-    <p:sldId id="259" r:id="rId12"/>
-    <p:sldId id="261" r:id="rId13"/>
+    <p:sldId id="270" r:id="rId12"/>
+    <p:sldId id="259" r:id="rId13"/>
+    <p:sldId id="261" r:id="rId14"/>
   </p:sldIdLst>
   <p:sldSz cx="12192000" cy="6858000"/>
   <p:notesSz cx="6858000" cy="9144000"/>
@@ -270,7 +271,7 @@
           <a:p>
             <a:fld id="{51A2ECB8-83C4-44F1-A4A0-82ECB398125D}" type="datetimeFigureOut">
               <a:rPr lang="de-DE" smtClean="0"/>
-              <a:t>04.08.2024</a:t>
+              <a:t>01.09.2024</a:t>
             </a:fld>
             <a:endParaRPr lang="de-DE"/>
           </a:p>
@@ -468,7 +469,7 @@
           <a:p>
             <a:fld id="{51A2ECB8-83C4-44F1-A4A0-82ECB398125D}" type="datetimeFigureOut">
               <a:rPr lang="de-DE" smtClean="0"/>
-              <a:t>04.08.2024</a:t>
+              <a:t>01.09.2024</a:t>
             </a:fld>
             <a:endParaRPr lang="de-DE"/>
           </a:p>
@@ -676,7 +677,7 @@
           <a:p>
             <a:fld id="{51A2ECB8-83C4-44F1-A4A0-82ECB398125D}" type="datetimeFigureOut">
               <a:rPr lang="de-DE" smtClean="0"/>
-              <a:t>04.08.2024</a:t>
+              <a:t>01.09.2024</a:t>
             </a:fld>
             <a:endParaRPr lang="de-DE"/>
           </a:p>
@@ -874,7 +875,7 @@
           <a:p>
             <a:fld id="{51A2ECB8-83C4-44F1-A4A0-82ECB398125D}" type="datetimeFigureOut">
               <a:rPr lang="de-DE" smtClean="0"/>
-              <a:t>04.08.2024</a:t>
+              <a:t>01.09.2024</a:t>
             </a:fld>
             <a:endParaRPr lang="de-DE"/>
           </a:p>
@@ -1149,7 +1150,7 @@
           <a:p>
             <a:fld id="{51A2ECB8-83C4-44F1-A4A0-82ECB398125D}" type="datetimeFigureOut">
               <a:rPr lang="de-DE" smtClean="0"/>
-              <a:t>04.08.2024</a:t>
+              <a:t>01.09.2024</a:t>
             </a:fld>
             <a:endParaRPr lang="de-DE"/>
           </a:p>
@@ -1414,7 +1415,7 @@
           <a:p>
             <a:fld id="{51A2ECB8-83C4-44F1-A4A0-82ECB398125D}" type="datetimeFigureOut">
               <a:rPr lang="de-DE" smtClean="0"/>
-              <a:t>04.08.2024</a:t>
+              <a:t>01.09.2024</a:t>
             </a:fld>
             <a:endParaRPr lang="de-DE"/>
           </a:p>
@@ -1826,7 +1827,7 @@
           <a:p>
             <a:fld id="{51A2ECB8-83C4-44F1-A4A0-82ECB398125D}" type="datetimeFigureOut">
               <a:rPr lang="de-DE" smtClean="0"/>
-              <a:t>04.08.2024</a:t>
+              <a:t>01.09.2024</a:t>
             </a:fld>
             <a:endParaRPr lang="de-DE"/>
           </a:p>
@@ -1967,7 +1968,7 @@
           <a:p>
             <a:fld id="{51A2ECB8-83C4-44F1-A4A0-82ECB398125D}" type="datetimeFigureOut">
               <a:rPr lang="de-DE" smtClean="0"/>
-              <a:t>04.08.2024</a:t>
+              <a:t>01.09.2024</a:t>
             </a:fld>
             <a:endParaRPr lang="de-DE"/>
           </a:p>
@@ -2080,7 +2081,7 @@
           <a:p>
             <a:fld id="{51A2ECB8-83C4-44F1-A4A0-82ECB398125D}" type="datetimeFigureOut">
               <a:rPr lang="de-DE" smtClean="0"/>
-              <a:t>04.08.2024</a:t>
+              <a:t>01.09.2024</a:t>
             </a:fld>
             <a:endParaRPr lang="de-DE"/>
           </a:p>
@@ -2391,7 +2392,7 @@
           <a:p>
             <a:fld id="{51A2ECB8-83C4-44F1-A4A0-82ECB398125D}" type="datetimeFigureOut">
               <a:rPr lang="de-DE" smtClean="0"/>
-              <a:t>04.08.2024</a:t>
+              <a:t>01.09.2024</a:t>
             </a:fld>
             <a:endParaRPr lang="de-DE"/>
           </a:p>
@@ -2679,7 +2680,7 @@
           <a:p>
             <a:fld id="{51A2ECB8-83C4-44F1-A4A0-82ECB398125D}" type="datetimeFigureOut">
               <a:rPr lang="de-DE" smtClean="0"/>
-              <a:t>04.08.2024</a:t>
+              <a:t>01.09.2024</a:t>
             </a:fld>
             <a:endParaRPr lang="de-DE"/>
           </a:p>
@@ -2920,7 +2921,7 @@
           <a:p>
             <a:fld id="{51A2ECB8-83C4-44F1-A4A0-82ECB398125D}" type="datetimeFigureOut">
               <a:rPr lang="de-DE" smtClean="0"/>
-              <a:t>04.08.2024</a:t>
+              <a:t>01.09.2024</a:t>
             </a:fld>
             <a:endParaRPr lang="de-DE"/>
           </a:p>
@@ -3726,10 +3727,10 @@
       </p:pic>
       <p:pic>
         <p:nvPicPr>
-          <p:cNvPr id="7" name="Grafik 6" descr="Ein Bild, das Text, Schrift, Screenshot, Logo enthält.&#10;&#10;Automatisch generierte Beschreibung">
-            <a:extLst>
-              <a:ext uri="{FF2B5EF4-FFF2-40B4-BE49-F238E27FC236}">
-                <a16:creationId xmlns:a16="http://schemas.microsoft.com/office/drawing/2014/main" id="{D34664A2-86CE-5C2C-EA61-7F19D487B9F8}"/>
+          <p:cNvPr id="3" name="Grafik 2">
+            <a:extLst>
+              <a:ext uri="{FF2B5EF4-FFF2-40B4-BE49-F238E27FC236}">
+                <a16:creationId xmlns:a16="http://schemas.microsoft.com/office/drawing/2014/main" id="{847429C9-CBD9-976F-FE53-8E74E4FD0852}"/>
               </a:ext>
             </a:extLst>
           </p:cNvPr>
@@ -3741,8 +3742,8 @@
         <p:blipFill>
           <a:blip r:embed="rId4">
             <a:extLst>
-              <a:ext uri="{28A0092B-C50C-407E-A947-70E740481C1C}">
-                <a14:useLocalDpi xmlns:a14="http://schemas.microsoft.com/office/drawing/2010/main" val="0"/>
+              <a:ext uri="{96DAC541-7B7A-43D3-8B79-37D633B846F1}">
+                <asvg:svgBlip xmlns:asvg="http://schemas.microsoft.com/office/drawing/2016/SVG/main" r:embed="rId5"/>
               </a:ext>
             </a:extLst>
           </a:blip>
@@ -3752,27 +3753,20 @@
         </p:blipFill>
         <p:spPr>
           <a:xfrm>
-            <a:off x="659701" y="2184860"/>
-            <a:ext cx="2495692" cy="841639"/>
+            <a:off x="5981700" y="3314700"/>
+            <a:ext cx="228600" cy="228600"/>
           </a:xfrm>
           <a:prstGeom prst="rect">
             <a:avLst/>
           </a:prstGeom>
-          <a:effectLst>
-            <a:outerShdw blurRad="63500" sx="102000" sy="102000" algn="ctr" rotWithShape="0">
-              <a:prstClr val="black">
-                <a:alpha val="40000"/>
-              </a:prstClr>
-            </a:outerShdw>
-          </a:effectLst>
         </p:spPr>
       </p:pic>
       <p:pic>
         <p:nvPicPr>
-          <p:cNvPr id="3" name="Grafik 2" descr="Ein Bild, das Text, Screenshot, Person enthält.&#10;&#10;Automatisch generierte Beschreibung">
-            <a:extLst>
-              <a:ext uri="{FF2B5EF4-FFF2-40B4-BE49-F238E27FC236}">
-                <a16:creationId xmlns:a16="http://schemas.microsoft.com/office/drawing/2014/main" id="{7F7F630F-B3AA-5227-33D7-8DB82626374E}"/>
+          <p:cNvPr id="6" name="Grafik 5">
+            <a:extLst>
+              <a:ext uri="{FF2B5EF4-FFF2-40B4-BE49-F238E27FC236}">
+                <a16:creationId xmlns:a16="http://schemas.microsoft.com/office/drawing/2014/main" id="{47CFF316-3EEB-4E1C-4FC2-B6540BADAC89}"/>
               </a:ext>
             </a:extLst>
           </p:cNvPr>
@@ -3781,31 +3775,114 @@
           </p:cNvPicPr>
           <p:nvPr/>
         </p:nvPicPr>
-        <p:blipFill rotWithShape="1">
-          <a:blip r:embed="rId5">
+        <p:blipFill>
+          <a:blip r:embed="rId6">
             <a:extLst>
               <a:ext uri="{28A0092B-C50C-407E-A947-70E740481C1C}">
                 <a14:useLocalDpi xmlns:a14="http://schemas.microsoft.com/office/drawing/2010/main" val="0"/>
               </a:ext>
             </a:extLst>
           </a:blip>
-          <a:srcRect t="-19474" r="33004" b="23210"/>
+          <a:srcRect/>
           <a:stretch/>
         </p:blipFill>
         <p:spPr>
           <a:xfrm>
-            <a:off x="268518" y="344729"/>
-            <a:ext cx="3541482" cy="3465271"/>
+            <a:off x="1559641" y="1559641"/>
+            <a:ext cx="690717" cy="690717"/>
           </a:xfrm>
           <a:prstGeom prst="rect">
             <a:avLst/>
           </a:prstGeom>
+        </p:spPr>
+      </p:pic>
+      <p:pic>
+        <p:nvPicPr>
+          <p:cNvPr id="10" name="Grafik 9">
+            <a:extLst>
+              <a:ext uri="{FF2B5EF4-FFF2-40B4-BE49-F238E27FC236}">
+                <a16:creationId xmlns:a16="http://schemas.microsoft.com/office/drawing/2014/main" id="{F660D2B1-595A-64A1-DB08-6489BA50EFE4}"/>
+              </a:ext>
+            </a:extLst>
+          </p:cNvPr>
+          <p:cNvPicPr>
+            <a:picLocks noChangeAspect="1"/>
+          </p:cNvPicPr>
+          <p:nvPr/>
+        </p:nvPicPr>
+        <p:blipFill>
+          <a:blip r:embed="rId7">
+            <a:extLst>
+              <a:ext uri="{96DAC541-7B7A-43D3-8B79-37D633B846F1}">
+                <asvg:svgBlip xmlns:asvg="http://schemas.microsoft.com/office/drawing/2016/SVG/main" r:embed="rId8"/>
+              </a:ext>
+            </a:extLst>
+          </a:blip>
+          <a:stretch>
+            <a:fillRect/>
+          </a:stretch>
+        </p:blipFill>
+        <p:spPr>
+          <a:xfrm>
+            <a:off x="5981700" y="3314700"/>
+            <a:ext cx="228600" cy="228600"/>
+          </a:xfrm>
+          <a:prstGeom prst="rect">
+            <a:avLst/>
+          </a:prstGeom>
+        </p:spPr>
+      </p:pic>
+      <p:pic>
+        <p:nvPicPr>
+          <p:cNvPr id="2050" name="Picture 2">
+            <a:extLst>
+              <a:ext uri="{FF2B5EF4-FFF2-40B4-BE49-F238E27FC236}">
+                <a16:creationId xmlns:a16="http://schemas.microsoft.com/office/drawing/2014/main" id="{C989F9A8-4141-448F-3670-9561A34A58A6}"/>
+              </a:ext>
+            </a:extLst>
+          </p:cNvPr>
+          <p:cNvPicPr>
+            <a:picLocks noChangeAspect="1" noChangeArrowheads="1"/>
+          </p:cNvPicPr>
+          <p:nvPr/>
+        </p:nvPicPr>
+        <p:blipFill>
+          <a:blip r:embed="rId9">
+            <a:extLst>
+              <a:ext uri="{28A0092B-C50C-407E-A947-70E740481C1C}">
+                <a14:useLocalDpi xmlns:a14="http://schemas.microsoft.com/office/drawing/2010/main" val="0"/>
+              </a:ext>
+            </a:extLst>
+          </a:blip>
+          <a:srcRect/>
+          <a:stretch>
+            <a:fillRect/>
+          </a:stretch>
+        </p:blipFill>
+        <p:spPr bwMode="auto">
+          <a:xfrm>
+            <a:off x="5413664" y="1553440"/>
+            <a:ext cx="703118" cy="703118"/>
+          </a:xfrm>
+          <a:prstGeom prst="rect">
+            <a:avLst/>
+          </a:prstGeom>
+          <a:noFill/>
+          <a:extLst>
+            <a:ext uri="{909E8E84-426E-40DD-AFC4-6F175D3DCCD1}">
+              <a14:hiddenFill xmlns:a14="http://schemas.microsoft.com/office/drawing/2010/main">
+                <a:solidFill>
+                  <a:srgbClr val="FFFFFF"/>
+                </a:solidFill>
+              </a14:hiddenFill>
+            </a:ext>
+          </a:extLst>
         </p:spPr>
       </p:pic>
     </p:spTree>
     <p:extLst>
       <p:ext uri="{BB962C8B-B14F-4D97-AF65-F5344CB8AC3E}">
-        <p14:creationId xmlns:p14="http://schemas.microsoft.com/office/powerpoint/2010/main" val="644209843"/>
+        <p14:creationId xmlns:p14="http://schemas.microsoft.com/office/powerpoint/2010/main" val="1364284867"/>
       </p:ext>
     </p:extLst>
   </p:cSld>
@@ -3834,10 +3911,10 @@
       </p:grpSpPr>
       <p:pic>
         <p:nvPicPr>
-          <p:cNvPr id="2" name="Grafik 1">
-            <a:extLst>
-              <a:ext uri="{FF2B5EF4-FFF2-40B4-BE49-F238E27FC236}">
-                <a16:creationId xmlns:a16="http://schemas.microsoft.com/office/drawing/2014/main" id="{62ED1DAB-D047-A34F-BBBB-A3B81E2CA28B}"/>
+          <p:cNvPr id="5" name="Grafik 4">
+            <a:extLst>
+              <a:ext uri="{FF2B5EF4-FFF2-40B4-BE49-F238E27FC236}">
+                <a16:creationId xmlns:a16="http://schemas.microsoft.com/office/drawing/2014/main" id="{A8F13007-E84E-4430-6FFF-C6E15D9AB7ED}"/>
               </a:ext>
             </a:extLst>
           </p:cNvPr>
@@ -3865,6 +3942,243 @@
           <a:prstGeom prst="rect">
             <a:avLst/>
           </a:prstGeom>
+        </p:spPr>
+      </p:pic>
+      <p:pic>
+        <p:nvPicPr>
+          <p:cNvPr id="7" name="Grafik 6" descr="Ein Bild, das Text, Schrift, Screenshot, Logo enthält.&#10;&#10;Automatisch generierte Beschreibung">
+            <a:extLst>
+              <a:ext uri="{FF2B5EF4-FFF2-40B4-BE49-F238E27FC236}">
+                <a16:creationId xmlns:a16="http://schemas.microsoft.com/office/drawing/2014/main" id="{D34664A2-86CE-5C2C-EA61-7F19D487B9F8}"/>
+              </a:ext>
+            </a:extLst>
+          </p:cNvPr>
+          <p:cNvPicPr>
+            <a:picLocks noChangeAspect="1"/>
+          </p:cNvPicPr>
+          <p:nvPr/>
+        </p:nvPicPr>
+        <p:blipFill>
+          <a:blip r:embed="rId4">
+            <a:extLst>
+              <a:ext uri="{28A0092B-C50C-407E-A947-70E740481C1C}">
+                <a14:useLocalDpi xmlns:a14="http://schemas.microsoft.com/office/drawing/2010/main" val="0"/>
+              </a:ext>
+            </a:extLst>
+          </a:blip>
+          <a:stretch>
+            <a:fillRect/>
+          </a:stretch>
+        </p:blipFill>
+        <p:spPr>
+          <a:xfrm>
+            <a:off x="659701" y="2184860"/>
+            <a:ext cx="2495692" cy="841639"/>
+          </a:xfrm>
+          <a:prstGeom prst="rect">
+            <a:avLst/>
+          </a:prstGeom>
+          <a:effectLst>
+            <a:outerShdw blurRad="63500" sx="102000" sy="102000" algn="ctr" rotWithShape="0">
+              <a:prstClr val="black">
+                <a:alpha val="40000"/>
+              </a:prstClr>
+            </a:outerShdw>
+          </a:effectLst>
+        </p:spPr>
+      </p:pic>
+      <p:pic>
+        <p:nvPicPr>
+          <p:cNvPr id="3" name="Grafik 2" descr="Ein Bild, das Text, Screenshot, Person enthält.&#10;&#10;Automatisch generierte Beschreibung">
+            <a:extLst>
+              <a:ext uri="{FF2B5EF4-FFF2-40B4-BE49-F238E27FC236}">
+                <a16:creationId xmlns:a16="http://schemas.microsoft.com/office/drawing/2014/main" id="{7F7F630F-B3AA-5227-33D7-8DB82626374E}"/>
+              </a:ext>
+            </a:extLst>
+          </p:cNvPr>
+          <p:cNvPicPr>
+            <a:picLocks noChangeAspect="1"/>
+          </p:cNvPicPr>
+          <p:nvPr/>
+        </p:nvPicPr>
+        <p:blipFill rotWithShape="1">
+          <a:blip r:embed="rId5">
+            <a:extLst>
+              <a:ext uri="{28A0092B-C50C-407E-A947-70E740481C1C}">
+                <a14:useLocalDpi xmlns:a14="http://schemas.microsoft.com/office/drawing/2010/main" val="0"/>
+              </a:ext>
+            </a:extLst>
+          </a:blip>
+          <a:srcRect t="-19474" r="33004" b="23210"/>
+          <a:stretch/>
+        </p:blipFill>
+        <p:spPr>
+          <a:xfrm>
+            <a:off x="268518" y="344729"/>
+            <a:ext cx="3541482" cy="3465271"/>
+          </a:xfrm>
+          <a:prstGeom prst="rect">
+            <a:avLst/>
+          </a:prstGeom>
+        </p:spPr>
+      </p:pic>
+    </p:spTree>
+    <p:extLst>
+      <p:ext uri="{BB962C8B-B14F-4D97-AF65-F5344CB8AC3E}">
+        <p14:creationId xmlns:p14="http://schemas.microsoft.com/office/powerpoint/2010/main" val="644209843"/>
+      </p:ext>
+    </p:extLst>
+  </p:cSld>
+  <p:clrMapOvr>
+    <a:masterClrMapping/>
+  </p:clrMapOvr>
+</p:sld>
+</file>
+
+<file path=ppt/slides/slide13.xml><?xml version="1.0" encoding="utf-8"?>
+<p:sld xmlns:a="http://schemas.openxmlformats.org/drawingml/2006/main" xmlns:r="http://schemas.openxmlformats.org/officeDocument/2006/relationships" xmlns:p="http://schemas.openxmlformats.org/presentationml/2006/main">
+  <p:cSld>
+    <p:spTree>
+      <p:nvGrpSpPr>
+        <p:cNvPr id="1" name=""/>
+        <p:cNvGrpSpPr/>
+        <p:nvPr/>
+      </p:nvGrpSpPr>
+      <p:grpSpPr>
+        <a:xfrm>
+          <a:off x="0" y="0"/>
+          <a:ext cx="0" cy="0"/>
+          <a:chOff x="0" y="0"/>
+          <a:chExt cx="0" cy="0"/>
+        </a:xfrm>
+      </p:grpSpPr>
+      <p:pic>
+        <p:nvPicPr>
+          <p:cNvPr id="2" name="Grafik 1">
+            <a:extLst>
+              <a:ext uri="{FF2B5EF4-FFF2-40B4-BE49-F238E27FC236}">
+                <a16:creationId xmlns:a16="http://schemas.microsoft.com/office/drawing/2014/main" id="{62ED1DAB-D047-A34F-BBBB-A3B81E2CA28B}"/>
+              </a:ext>
+            </a:extLst>
+          </p:cNvPr>
+          <p:cNvPicPr>
+            <a:picLocks noChangeAspect="1"/>
+          </p:cNvPicPr>
+          <p:nvPr/>
+        </p:nvPicPr>
+        <p:blipFill>
+          <a:blip r:embed="rId2">
+            <a:extLst>
+              <a:ext uri="{96DAC541-7B7A-43D3-8B79-37D633B846F1}">
+                <asvg:svgBlip xmlns:asvg="http://schemas.microsoft.com/office/drawing/2016/SVG/main" r:embed="rId3"/>
+              </a:ext>
+            </a:extLst>
+          </a:blip>
+          <a:srcRect/>
+          <a:stretch/>
+        </p:blipFill>
+        <p:spPr>
+          <a:xfrm>
+            <a:off x="0" y="0"/>
+            <a:ext cx="3810000" cy="3810000"/>
+          </a:xfrm>
+          <a:prstGeom prst="rect">
+            <a:avLst/>
+          </a:prstGeom>
+        </p:spPr>
+      </p:pic>
+      <p:pic>
+        <p:nvPicPr>
+          <p:cNvPr id="1028" name="Picture 4">
+            <a:extLst>
+              <a:ext uri="{FF2B5EF4-FFF2-40B4-BE49-F238E27FC236}">
+                <a16:creationId xmlns:a16="http://schemas.microsoft.com/office/drawing/2014/main" id="{D8242F92-48D5-F1BB-E7F1-888F662F8B4D}"/>
+              </a:ext>
+            </a:extLst>
+          </p:cNvPr>
+          <p:cNvPicPr>
+            <a:picLocks noChangeAspect="1" noChangeArrowheads="1"/>
+          </p:cNvPicPr>
+          <p:nvPr/>
+        </p:nvPicPr>
+        <p:blipFill>
+          <a:blip r:embed="rId4">
+            <a:extLst>
+              <a:ext uri="{28A0092B-C50C-407E-A947-70E740481C1C}">
+                <a14:useLocalDpi xmlns:a14="http://schemas.microsoft.com/office/drawing/2010/main" val="0"/>
+              </a:ext>
+            </a:extLst>
+          </a:blip>
+          <a:srcRect/>
+          <a:stretch>
+            <a:fillRect/>
+          </a:stretch>
+        </p:blipFill>
+        <p:spPr bwMode="auto">
+          <a:xfrm>
+            <a:off x="5981700" y="3314700"/>
+            <a:ext cx="2441864" cy="2441864"/>
+          </a:xfrm>
+          <a:prstGeom prst="rect">
+            <a:avLst/>
+          </a:prstGeom>
+          <a:noFill/>
+          <a:extLst>
+            <a:ext uri="{909E8E84-426E-40DD-AFC4-6F175D3DCCD1}">
+              <a14:hiddenFill xmlns:a14="http://schemas.microsoft.com/office/drawing/2010/main">
+                <a:solidFill>
+                  <a:srgbClr val="FFFFFF"/>
+                </a:solidFill>
+              </a14:hiddenFill>
+            </a:ext>
+          </a:extLst>
+        </p:spPr>
+      </p:pic>
+      <p:pic>
+        <p:nvPicPr>
+          <p:cNvPr id="1032" name="Picture 8">
+            <a:extLst>
+              <a:ext uri="{FF2B5EF4-FFF2-40B4-BE49-F238E27FC236}">
+                <a16:creationId xmlns:a16="http://schemas.microsoft.com/office/drawing/2014/main" id="{267E5110-02AF-C387-48A3-80A96E736AB3}"/>
+              </a:ext>
+            </a:extLst>
+          </p:cNvPr>
+          <p:cNvPicPr>
+            <a:picLocks noChangeAspect="1" noChangeArrowheads="1"/>
+          </p:cNvPicPr>
+          <p:nvPr/>
+        </p:nvPicPr>
+        <p:blipFill>
+          <a:blip r:embed="rId5">
+            <a:extLst>
+              <a:ext uri="{28A0092B-C50C-407E-A947-70E740481C1C}">
+                <a14:useLocalDpi xmlns:a14="http://schemas.microsoft.com/office/drawing/2010/main" val="0"/>
+              </a:ext>
+            </a:extLst>
+          </a:blip>
+          <a:srcRect/>
+          <a:stretch>
+            <a:fillRect/>
+          </a:stretch>
+        </p:blipFill>
+        <p:spPr bwMode="auto">
+          <a:xfrm>
+            <a:off x="1520535" y="1569026"/>
+            <a:ext cx="1194955" cy="1194955"/>
+          </a:xfrm>
+          <a:prstGeom prst="rect">
+            <a:avLst/>
+          </a:prstGeom>
+          <a:noFill/>
+          <a:extLst>
+            <a:ext uri="{909E8E84-426E-40DD-AFC4-6F175D3DCCD1}">
+              <a14:hiddenFill xmlns:a14="http://schemas.microsoft.com/office/drawing/2010/main">
+                <a:solidFill>
+                  <a:srgbClr val="FFFFFF"/>
+                </a:solidFill>
+              </a14:hiddenFill>
+            </a:ext>
+          </a:extLst>
         </p:spPr>
       </p:pic>
     </p:spTree>
